--- a/labs/labs/lab3/documents/drawing.pptx
+++ b/labs/labs/lab3/documents/drawing.pptx
@@ -7,6 +7,9 @@
   <p:sldIdLst>
     <p:sldId id="258" r:id="rId2"/>
     <p:sldId id="259" r:id="rId3"/>
+    <p:sldId id="261" r:id="rId4"/>
+    <p:sldId id="260" r:id="rId5"/>
+    <p:sldId id="262" r:id="rId6"/>
   </p:sldIdLst>
   <p:sldSz cx="12192000" cy="14400213"/>
   <p:notesSz cx="6858000" cy="9144000"/>
@@ -255,7 +258,7 @@
           <a:p>
             <a:fld id="{132D6BD4-870A-4FF1-8611-FF08CC753B3A}" type="datetimeFigureOut">
               <a:rPr lang="en-CA" smtClean="0"/>
-              <a:t>2023-10-05</a:t>
+              <a:t>2023-10-07</a:t>
             </a:fld>
             <a:endParaRPr lang="en-CA"/>
           </a:p>
@@ -425,7 +428,7 @@
           <a:p>
             <a:fld id="{132D6BD4-870A-4FF1-8611-FF08CC753B3A}" type="datetimeFigureOut">
               <a:rPr lang="en-CA" smtClean="0"/>
-              <a:t>2023-10-05</a:t>
+              <a:t>2023-10-07</a:t>
             </a:fld>
             <a:endParaRPr lang="en-CA"/>
           </a:p>
@@ -605,7 +608,7 @@
           <a:p>
             <a:fld id="{132D6BD4-870A-4FF1-8611-FF08CC753B3A}" type="datetimeFigureOut">
               <a:rPr lang="en-CA" smtClean="0"/>
-              <a:t>2023-10-05</a:t>
+              <a:t>2023-10-07</a:t>
             </a:fld>
             <a:endParaRPr lang="en-CA"/>
           </a:p>
@@ -775,7 +778,7 @@
           <a:p>
             <a:fld id="{132D6BD4-870A-4FF1-8611-FF08CC753B3A}" type="datetimeFigureOut">
               <a:rPr lang="en-CA" smtClean="0"/>
-              <a:t>2023-10-05</a:t>
+              <a:t>2023-10-07</a:t>
             </a:fld>
             <a:endParaRPr lang="en-CA"/>
           </a:p>
@@ -1019,7 +1022,7 @@
           <a:p>
             <a:fld id="{132D6BD4-870A-4FF1-8611-FF08CC753B3A}" type="datetimeFigureOut">
               <a:rPr lang="en-CA" smtClean="0"/>
-              <a:t>2023-10-05</a:t>
+              <a:t>2023-10-07</a:t>
             </a:fld>
             <a:endParaRPr lang="en-CA"/>
           </a:p>
@@ -1251,7 +1254,7 @@
           <a:p>
             <a:fld id="{132D6BD4-870A-4FF1-8611-FF08CC753B3A}" type="datetimeFigureOut">
               <a:rPr lang="en-CA" smtClean="0"/>
-              <a:t>2023-10-05</a:t>
+              <a:t>2023-10-07</a:t>
             </a:fld>
             <a:endParaRPr lang="en-CA"/>
           </a:p>
@@ -1618,7 +1621,7 @@
           <a:p>
             <a:fld id="{132D6BD4-870A-4FF1-8611-FF08CC753B3A}" type="datetimeFigureOut">
               <a:rPr lang="en-CA" smtClean="0"/>
-              <a:t>2023-10-05</a:t>
+              <a:t>2023-10-07</a:t>
             </a:fld>
             <a:endParaRPr lang="en-CA"/>
           </a:p>
@@ -1736,7 +1739,7 @@
           <a:p>
             <a:fld id="{132D6BD4-870A-4FF1-8611-FF08CC753B3A}" type="datetimeFigureOut">
               <a:rPr lang="en-CA" smtClean="0"/>
-              <a:t>2023-10-05</a:t>
+              <a:t>2023-10-07</a:t>
             </a:fld>
             <a:endParaRPr lang="en-CA"/>
           </a:p>
@@ -1831,7 +1834,7 @@
           <a:p>
             <a:fld id="{132D6BD4-870A-4FF1-8611-FF08CC753B3A}" type="datetimeFigureOut">
               <a:rPr lang="en-CA" smtClean="0"/>
-              <a:t>2023-10-05</a:t>
+              <a:t>2023-10-07</a:t>
             </a:fld>
             <a:endParaRPr lang="en-CA"/>
           </a:p>
@@ -2108,7 +2111,7 @@
           <a:p>
             <a:fld id="{132D6BD4-870A-4FF1-8611-FF08CC753B3A}" type="datetimeFigureOut">
               <a:rPr lang="en-CA" smtClean="0"/>
-              <a:t>2023-10-05</a:t>
+              <a:t>2023-10-07</a:t>
             </a:fld>
             <a:endParaRPr lang="en-CA"/>
           </a:p>
@@ -2365,7 +2368,7 @@
           <a:p>
             <a:fld id="{132D6BD4-870A-4FF1-8611-FF08CC753B3A}" type="datetimeFigureOut">
               <a:rPr lang="en-CA" smtClean="0"/>
-              <a:t>2023-10-05</a:t>
+              <a:t>2023-10-07</a:t>
             </a:fld>
             <a:endParaRPr lang="en-CA"/>
           </a:p>
@@ -2578,7 +2581,7 @@
           <a:p>
             <a:fld id="{132D6BD4-870A-4FF1-8611-FF08CC753B3A}" type="datetimeFigureOut">
               <a:rPr lang="en-CA" smtClean="0"/>
-              <a:t>2023-10-05</a:t>
+              <a:t>2023-10-07</a:t>
             </a:fld>
             <a:endParaRPr lang="en-CA"/>
           </a:p>
@@ -2998,7 +3001,7 @@
         <p:spPr>
           <a:xfrm>
             <a:off x="6648952" y="3973136"/>
-            <a:ext cx="855299" cy="369332"/>
+            <a:ext cx="1843582" cy="369332"/>
           </a:xfrm>
           <a:prstGeom prst="rect">
             <a:avLst/>
@@ -3013,7 +3016,7 @@
           <a:p>
             <a:r>
               <a:rPr lang="en-US" b="1" u="sng" dirty="0"/>
-              <a:t>Point 1</a:t>
+              <a:t>Exercise 1 Point 1</a:t>
             </a:r>
             <a:endParaRPr lang="en-CA" b="1" u="sng" dirty="0"/>
           </a:p>
@@ -4367,7 +4370,7 @@
         <p:spPr>
           <a:xfrm>
             <a:off x="6566402" y="4473182"/>
-            <a:ext cx="855299" cy="369332"/>
+            <a:ext cx="1846852" cy="369332"/>
           </a:xfrm>
           <a:prstGeom prst="rect">
             <a:avLst/>
@@ -4382,7 +4385,7 @@
           <a:p>
             <a:r>
               <a:rPr lang="en-US" b="1" u="sng" dirty="0"/>
-              <a:t>Point 2</a:t>
+              <a:t>Exercise 1 Point 2</a:t>
             </a:r>
             <a:endParaRPr lang="en-CA" b="1" u="sng" dirty="0"/>
           </a:p>
@@ -6397,6 +6400,4369 @@
 </p:sld>
 </file>
 
+<file path=ppt/slides/slide3.xml><?xml version="1.0" encoding="utf-8"?>
+<p:sld xmlns:a="http://schemas.openxmlformats.org/drawingml/2006/main" xmlns:r="http://schemas.openxmlformats.org/officeDocument/2006/relationships" xmlns:p="http://schemas.openxmlformats.org/presentationml/2006/main">
+  <p:cSld>
+    <p:spTree>
+      <p:nvGrpSpPr>
+        <p:cNvPr id="1" name=""/>
+        <p:cNvGrpSpPr/>
+        <p:nvPr/>
+      </p:nvGrpSpPr>
+      <p:grpSpPr>
+        <a:xfrm>
+          <a:off x="0" y="0"/>
+          <a:ext cx="0" cy="0"/>
+          <a:chOff x="0" y="0"/>
+          <a:chExt cx="0" cy="0"/>
+        </a:xfrm>
+      </p:grpSpPr>
+      <p:sp>
+        <p:nvSpPr>
+          <p:cNvPr id="3" name="TextBox 2">
+            <a:extLst>
+              <a:ext uri="{FF2B5EF4-FFF2-40B4-BE49-F238E27FC236}">
+                <a16:creationId xmlns:a16="http://schemas.microsoft.com/office/drawing/2014/main" id="{3ADCEB22-761A-1882-E9D1-306234468128}"/>
+              </a:ext>
+            </a:extLst>
+          </p:cNvPr>
+          <p:cNvSpPr txBox="1"/>
+          <p:nvPr/>
+        </p:nvSpPr>
+        <p:spPr>
+          <a:xfrm>
+            <a:off x="9500102" y="5971782"/>
+            <a:ext cx="1843582" cy="369332"/>
+          </a:xfrm>
+          <a:prstGeom prst="rect">
+            <a:avLst/>
+          </a:prstGeom>
+          <a:noFill/>
+        </p:spPr>
+        <p:txBody>
+          <a:bodyPr wrap="none" rtlCol="0">
+            <a:spAutoFit/>
+          </a:bodyPr>
+          <a:lstStyle/>
+          <a:p>
+            <a:r>
+              <a:rPr lang="en-US" b="1" u="sng" dirty="0"/>
+              <a:t>Exercise 2 Point 1</a:t>
+            </a:r>
+            <a:endParaRPr lang="en-CA" b="1" u="sng" dirty="0"/>
+          </a:p>
+        </p:txBody>
+      </p:sp>
+      <p:grpSp>
+        <p:nvGrpSpPr>
+          <p:cNvPr id="50" name="Group 49">
+            <a:extLst>
+              <a:ext uri="{FF2B5EF4-FFF2-40B4-BE49-F238E27FC236}">
+                <a16:creationId xmlns:a16="http://schemas.microsoft.com/office/drawing/2014/main" id="{A9C2C6BC-3594-B83B-2BDB-34C2DE0D5D63}"/>
+              </a:ext>
+            </a:extLst>
+          </p:cNvPr>
+          <p:cNvGrpSpPr/>
+          <p:nvPr/>
+        </p:nvGrpSpPr>
+        <p:grpSpPr>
+          <a:xfrm>
+            <a:off x="2018932" y="9670142"/>
+            <a:ext cx="4513466" cy="2771879"/>
+            <a:chOff x="1786703" y="9029700"/>
+            <a:chExt cx="4513466" cy="5095979"/>
+          </a:xfrm>
+        </p:grpSpPr>
+        <p:sp>
+          <p:nvSpPr>
+            <p:cNvPr id="13" name="TextBox 12">
+              <a:extLst>
+                <a:ext uri="{FF2B5EF4-FFF2-40B4-BE49-F238E27FC236}">
+                  <a16:creationId xmlns:a16="http://schemas.microsoft.com/office/drawing/2014/main" id="{2BEB660A-F17F-EBD5-09C5-DB7ABA245FA4}"/>
+                </a:ext>
+              </a:extLst>
+            </p:cNvPr>
+            <p:cNvSpPr txBox="1">
+              <a:spLocks/>
+            </p:cNvSpPr>
+            <p:nvPr/>
+          </p:nvSpPr>
+          <p:spPr>
+            <a:xfrm>
+              <a:off x="1786703" y="12078224"/>
+              <a:ext cx="965329" cy="369332"/>
+            </a:xfrm>
+            <a:prstGeom prst="rect">
+              <a:avLst/>
+            </a:prstGeom>
+            <a:noFill/>
+          </p:spPr>
+          <p:txBody>
+            <a:bodyPr wrap="none" rtlCol="0">
+              <a:spAutoFit/>
+            </a:bodyPr>
+            <a:lstStyle/>
+            <a:p>
+              <a:r>
+                <a:rPr lang="en-US" dirty="0"/>
+                <a:t>AR main</a:t>
+              </a:r>
+              <a:endParaRPr lang="en-CA" dirty="0"/>
+            </a:p>
+          </p:txBody>
+        </p:sp>
+        <p:grpSp>
+          <p:nvGrpSpPr>
+            <p:cNvPr id="9" name="Group 8">
+              <a:extLst>
+                <a:ext uri="{FF2B5EF4-FFF2-40B4-BE49-F238E27FC236}">
+                  <a16:creationId xmlns:a16="http://schemas.microsoft.com/office/drawing/2014/main" id="{0C726B84-D314-FFE5-89DD-8A8BBFCB0E4C}"/>
+                </a:ext>
+              </a:extLst>
+            </p:cNvPr>
+            <p:cNvGrpSpPr/>
+            <p:nvPr/>
+          </p:nvGrpSpPr>
+          <p:grpSpPr>
+            <a:xfrm>
+              <a:off x="2742900" y="9029700"/>
+              <a:ext cx="3557269" cy="5095979"/>
+              <a:chOff x="2339040" y="9690438"/>
+              <a:chExt cx="3557269" cy="2294021"/>
+            </a:xfrm>
+          </p:grpSpPr>
+          <p:sp>
+            <p:nvSpPr>
+              <p:cNvPr id="12" name="TextBox 11">
+                <a:extLst>
+                  <a:ext uri="{FF2B5EF4-FFF2-40B4-BE49-F238E27FC236}">
+                    <a16:creationId xmlns:a16="http://schemas.microsoft.com/office/drawing/2014/main" id="{0B433080-284D-7D97-2992-FE77EE257555}"/>
+                  </a:ext>
+                </a:extLst>
+              </p:cNvPr>
+              <p:cNvSpPr txBox="1"/>
+              <p:nvPr/>
+            </p:nvSpPr>
+            <p:spPr>
+              <a:xfrm>
+                <a:off x="2345389" y="11751046"/>
+                <a:ext cx="3550920" cy="166260"/>
+              </a:xfrm>
+              <a:prstGeom prst="rect">
+                <a:avLst/>
+              </a:prstGeom>
+              <a:noFill/>
+            </p:spPr>
+            <p:txBody>
+              <a:bodyPr wrap="square" rtlCol="0" anchor="ctr">
+                <a:spAutoFit/>
+              </a:bodyPr>
+              <a:lstStyle/>
+              <a:p>
+                <a:pPr algn="ctr"/>
+                <a:r>
+                  <a:rPr lang="en-US" dirty="0"/>
+                  <a:t>No arguments</a:t>
+                </a:r>
+                <a:endParaRPr lang="en-CA" dirty="0"/>
+              </a:p>
+            </p:txBody>
+          </p:sp>
+          <p:grpSp>
+            <p:nvGrpSpPr>
+              <p:cNvPr id="7" name="Group 6">
+                <a:extLst>
+                  <a:ext uri="{FF2B5EF4-FFF2-40B4-BE49-F238E27FC236}">
+                    <a16:creationId xmlns:a16="http://schemas.microsoft.com/office/drawing/2014/main" id="{A3543ED9-70AB-D5F8-6813-4307B1B94B25}"/>
+                  </a:ext>
+                </a:extLst>
+              </p:cNvPr>
+              <p:cNvGrpSpPr/>
+              <p:nvPr/>
+            </p:nvGrpSpPr>
+            <p:grpSpPr>
+              <a:xfrm>
+                <a:off x="2339040" y="9690438"/>
+                <a:ext cx="3553326" cy="2294021"/>
+                <a:chOff x="2339040" y="9690438"/>
+                <a:chExt cx="3553326" cy="2294021"/>
+              </a:xfrm>
+            </p:grpSpPr>
+            <p:cxnSp>
+              <p:nvCxnSpPr>
+                <p:cNvPr id="11" name="Straight Connector 10">
+                  <a:extLst>
+                    <a:ext uri="{FF2B5EF4-FFF2-40B4-BE49-F238E27FC236}">
+                      <a16:creationId xmlns:a16="http://schemas.microsoft.com/office/drawing/2014/main" id="{864EEF87-5E24-8D86-29AE-FBEDA76B19C1}"/>
+                    </a:ext>
+                  </a:extLst>
+                </p:cNvPr>
+                <p:cNvCxnSpPr>
+                  <a:cxnSpLocks/>
+                </p:cNvCxnSpPr>
+                <p:nvPr/>
+              </p:nvCxnSpPr>
+              <p:spPr>
+                <a:xfrm>
+                  <a:off x="2339340" y="11701962"/>
+                  <a:ext cx="3550444" cy="0"/>
+                </a:xfrm>
+                <a:prstGeom prst="line">
+                  <a:avLst/>
+                </a:prstGeom>
+              </p:spPr>
+              <p:style>
+                <a:lnRef idx="1">
+                  <a:schemeClr val="dk1"/>
+                </a:lnRef>
+                <a:fillRef idx="0">
+                  <a:schemeClr val="dk1"/>
+                </a:fillRef>
+                <a:effectRef idx="0">
+                  <a:schemeClr val="dk1"/>
+                </a:effectRef>
+                <a:fontRef idx="minor">
+                  <a:schemeClr val="tx1"/>
+                </a:fontRef>
+              </p:style>
+            </p:cxnSp>
+            <p:sp>
+              <p:nvSpPr>
+                <p:cNvPr id="10" name="Rectangle 9">
+                  <a:extLst>
+                    <a:ext uri="{FF2B5EF4-FFF2-40B4-BE49-F238E27FC236}">
+                      <a16:creationId xmlns:a16="http://schemas.microsoft.com/office/drawing/2014/main" id="{9C9B4144-BA02-7272-481D-121FB6A4802E}"/>
+                    </a:ext>
+                  </a:extLst>
+                </p:cNvPr>
+                <p:cNvSpPr>
+                  <a:spLocks/>
+                </p:cNvSpPr>
+                <p:nvPr/>
+              </p:nvSpPr>
+              <p:spPr>
+                <a:xfrm>
+                  <a:off x="2339040" y="9690438"/>
+                  <a:ext cx="3553326" cy="2294021"/>
+                </a:xfrm>
+                <a:prstGeom prst="rect">
+                  <a:avLst/>
+                </a:prstGeom>
+                <a:noFill/>
+                <a:ln>
+                  <a:solidFill>
+                    <a:schemeClr val="tx1"/>
+                  </a:solidFill>
+                </a:ln>
+              </p:spPr>
+              <p:style>
+                <a:lnRef idx="2">
+                  <a:schemeClr val="accent1">
+                    <a:shade val="15000"/>
+                  </a:schemeClr>
+                </a:lnRef>
+                <a:fillRef idx="1">
+                  <a:schemeClr val="accent1"/>
+                </a:fillRef>
+                <a:effectRef idx="0">
+                  <a:schemeClr val="accent1"/>
+                </a:effectRef>
+                <a:fontRef idx="minor">
+                  <a:schemeClr val="lt1"/>
+                </a:fontRef>
+              </p:style>
+              <p:txBody>
+                <a:bodyPr rtlCol="0" anchor="ctr"/>
+                <a:lstStyle/>
+                <a:p>
+                  <a:pPr algn="ctr"/>
+                  <a:endParaRPr lang="en-CA"/>
+                </a:p>
+              </p:txBody>
+            </p:sp>
+          </p:grpSp>
+        </p:grpSp>
+      </p:grpSp>
+      <p:grpSp>
+        <p:nvGrpSpPr>
+          <p:cNvPr id="2" name="Group 1">
+            <a:extLst>
+              <a:ext uri="{FF2B5EF4-FFF2-40B4-BE49-F238E27FC236}">
+                <a16:creationId xmlns:a16="http://schemas.microsoft.com/office/drawing/2014/main" id="{B77329FF-13B4-28A9-E0DA-1E5F6D2ECC0A}"/>
+              </a:ext>
+            </a:extLst>
+          </p:cNvPr>
+          <p:cNvGrpSpPr/>
+          <p:nvPr/>
+        </p:nvGrpSpPr>
+        <p:grpSpPr>
+          <a:xfrm>
+            <a:off x="3055340" y="9860642"/>
+            <a:ext cx="3234789" cy="1143000"/>
+            <a:chOff x="2785011" y="9144000"/>
+            <a:chExt cx="3234789" cy="1143000"/>
+          </a:xfrm>
+        </p:grpSpPr>
+        <p:sp>
+          <p:nvSpPr>
+            <p:cNvPr id="104" name="TextBox 103">
+              <a:extLst>
+                <a:ext uri="{FF2B5EF4-FFF2-40B4-BE49-F238E27FC236}">
+                  <a16:creationId xmlns:a16="http://schemas.microsoft.com/office/drawing/2014/main" id="{DAB27740-4A5A-FE22-9593-CAD7FA8B1824}"/>
+                </a:ext>
+              </a:extLst>
+            </p:cNvPr>
+            <p:cNvSpPr txBox="1">
+              <a:spLocks/>
+            </p:cNvSpPr>
+            <p:nvPr/>
+          </p:nvSpPr>
+          <p:spPr>
+            <a:xfrm>
+              <a:off x="2785011" y="9158401"/>
+              <a:ext cx="773529" cy="369332"/>
+            </a:xfrm>
+            <a:prstGeom prst="rect">
+              <a:avLst/>
+            </a:prstGeom>
+            <a:noFill/>
+          </p:spPr>
+          <p:txBody>
+            <a:bodyPr wrap="square" rtlCol="0">
+              <a:spAutoFit/>
+            </a:bodyPr>
+            <a:lstStyle/>
+            <a:p>
+              <a:pPr algn="ctr"/>
+              <a:r>
+                <a:rPr lang="en-US" dirty="0"/>
+                <a:t>num1</a:t>
+              </a:r>
+              <a:endParaRPr lang="en-CA" dirty="0"/>
+            </a:p>
+          </p:txBody>
+        </p:sp>
+        <p:sp>
+          <p:nvSpPr>
+            <p:cNvPr id="14" name="Rectangle 13">
+              <a:extLst>
+                <a:ext uri="{FF2B5EF4-FFF2-40B4-BE49-F238E27FC236}">
+                  <a16:creationId xmlns:a16="http://schemas.microsoft.com/office/drawing/2014/main" id="{604EE2BA-A30A-003D-C766-A5D94085618D}"/>
+                </a:ext>
+              </a:extLst>
+            </p:cNvPr>
+            <p:cNvSpPr/>
+            <p:nvPr/>
+          </p:nvSpPr>
+          <p:spPr>
+            <a:xfrm>
+              <a:off x="3634740" y="9144000"/>
+              <a:ext cx="2385060" cy="1143000"/>
+            </a:xfrm>
+            <a:prstGeom prst="rect">
+              <a:avLst/>
+            </a:prstGeom>
+            <a:noFill/>
+            <a:ln>
+              <a:solidFill>
+                <a:schemeClr val="tx1"/>
+              </a:solidFill>
+            </a:ln>
+          </p:spPr>
+          <p:style>
+            <a:lnRef idx="2">
+              <a:schemeClr val="accent1">
+                <a:shade val="15000"/>
+              </a:schemeClr>
+            </a:lnRef>
+            <a:fillRef idx="1">
+              <a:schemeClr val="accent1"/>
+            </a:fillRef>
+            <a:effectRef idx="0">
+              <a:schemeClr val="accent1"/>
+            </a:effectRef>
+            <a:fontRef idx="minor">
+              <a:schemeClr val="lt1"/>
+            </a:fontRef>
+          </p:style>
+          <p:txBody>
+            <a:bodyPr rtlCol="0" anchor="ctr"/>
+            <a:lstStyle/>
+            <a:p>
+              <a:pPr algn="ctr"/>
+              <a:endParaRPr lang="en-CA"/>
+            </a:p>
+          </p:txBody>
+        </p:sp>
+        <p:grpSp>
+          <p:nvGrpSpPr>
+            <p:cNvPr id="44" name="Group 43">
+              <a:extLst>
+                <a:ext uri="{FF2B5EF4-FFF2-40B4-BE49-F238E27FC236}">
+                  <a16:creationId xmlns:a16="http://schemas.microsoft.com/office/drawing/2014/main" id="{5AB061C7-EE0F-D5D7-E375-968B4CFB6A43}"/>
+                </a:ext>
+              </a:extLst>
+            </p:cNvPr>
+            <p:cNvGrpSpPr/>
+            <p:nvPr/>
+          </p:nvGrpSpPr>
+          <p:grpSpPr>
+            <a:xfrm>
+              <a:off x="3726180" y="9220200"/>
+              <a:ext cx="1988820" cy="449580"/>
+              <a:chOff x="3726180" y="9220200"/>
+              <a:chExt cx="1988820" cy="449580"/>
+            </a:xfrm>
+          </p:grpSpPr>
+          <p:grpSp>
+            <p:nvGrpSpPr>
+              <p:cNvPr id="26" name="Group 25">
+                <a:extLst>
+                  <a:ext uri="{FF2B5EF4-FFF2-40B4-BE49-F238E27FC236}">
+                    <a16:creationId xmlns:a16="http://schemas.microsoft.com/office/drawing/2014/main" id="{890CC89B-4F4E-EE6C-EC0A-AA7030E126FD}"/>
+                  </a:ext>
+                </a:extLst>
+              </p:cNvPr>
+              <p:cNvGrpSpPr/>
+              <p:nvPr/>
+            </p:nvGrpSpPr>
+            <p:grpSpPr>
+              <a:xfrm>
+                <a:off x="3726180" y="9220200"/>
+                <a:ext cx="1988820" cy="449580"/>
+                <a:chOff x="3726180" y="9220200"/>
+                <a:chExt cx="1988820" cy="449580"/>
+              </a:xfrm>
+            </p:grpSpPr>
+            <p:sp>
+              <p:nvSpPr>
+                <p:cNvPr id="17" name="TextBox 16">
+                  <a:extLst>
+                    <a:ext uri="{FF2B5EF4-FFF2-40B4-BE49-F238E27FC236}">
+                      <a16:creationId xmlns:a16="http://schemas.microsoft.com/office/drawing/2014/main" id="{59BB5145-D912-3C4B-E9B6-B04D01289CEF}"/>
+                    </a:ext>
+                  </a:extLst>
+                </p:cNvPr>
+                <p:cNvSpPr txBox="1"/>
+                <p:nvPr/>
+              </p:nvSpPr>
+              <p:spPr>
+                <a:xfrm>
+                  <a:off x="3726180" y="9265920"/>
+                  <a:ext cx="737894" cy="369332"/>
+                </a:xfrm>
+                <a:prstGeom prst="rect">
+                  <a:avLst/>
+                </a:prstGeom>
+                <a:noFill/>
+              </p:spPr>
+              <p:txBody>
+                <a:bodyPr wrap="none" rtlCol="0">
+                  <a:spAutoFit/>
+                </a:bodyPr>
+                <a:lstStyle/>
+                <a:p>
+                  <a:r>
+                    <a:rPr lang="en-US" dirty="0" err="1"/>
+                    <a:t>realM</a:t>
+                  </a:r>
+                  <a:endParaRPr lang="en-CA" dirty="0"/>
+                </a:p>
+              </p:txBody>
+            </p:sp>
+            <p:sp>
+              <p:nvSpPr>
+                <p:cNvPr id="19" name="Rectangle 18">
+                  <a:extLst>
+                    <a:ext uri="{FF2B5EF4-FFF2-40B4-BE49-F238E27FC236}">
+                      <a16:creationId xmlns:a16="http://schemas.microsoft.com/office/drawing/2014/main" id="{85D2C28B-D0C8-E537-643E-D4946EE2980A}"/>
+                    </a:ext>
+                  </a:extLst>
+                </p:cNvPr>
+                <p:cNvSpPr/>
+                <p:nvPr/>
+              </p:nvSpPr>
+              <p:spPr>
+                <a:xfrm>
+                  <a:off x="4518660" y="9220200"/>
+                  <a:ext cx="1196340" cy="449580"/>
+                </a:xfrm>
+                <a:prstGeom prst="rect">
+                  <a:avLst/>
+                </a:prstGeom>
+                <a:noFill/>
+              </p:spPr>
+              <p:style>
+                <a:lnRef idx="2">
+                  <a:schemeClr val="accent1">
+                    <a:shade val="15000"/>
+                  </a:schemeClr>
+                </a:lnRef>
+                <a:fillRef idx="1">
+                  <a:schemeClr val="accent1"/>
+                </a:fillRef>
+                <a:effectRef idx="0">
+                  <a:schemeClr val="accent1"/>
+                </a:effectRef>
+                <a:fontRef idx="minor">
+                  <a:schemeClr val="lt1"/>
+                </a:fontRef>
+              </p:style>
+              <p:txBody>
+                <a:bodyPr rtlCol="0" anchor="ctr"/>
+                <a:lstStyle/>
+                <a:p>
+                  <a:pPr algn="ctr"/>
+                  <a:endParaRPr lang="en-CA"/>
+                </a:p>
+              </p:txBody>
+            </p:sp>
+          </p:grpSp>
+          <p:sp>
+            <p:nvSpPr>
+              <p:cNvPr id="37" name="TextBox 36">
+                <a:extLst>
+                  <a:ext uri="{FF2B5EF4-FFF2-40B4-BE49-F238E27FC236}">
+                    <a16:creationId xmlns:a16="http://schemas.microsoft.com/office/drawing/2014/main" id="{9788ABF9-1144-03D4-5EA8-0F33CF32BCE2}"/>
+                  </a:ext>
+                </a:extLst>
+              </p:cNvPr>
+              <p:cNvSpPr txBox="1"/>
+              <p:nvPr/>
+            </p:nvSpPr>
+            <p:spPr>
+              <a:xfrm>
+                <a:off x="4797425" y="9277350"/>
+                <a:ext cx="535724" cy="369332"/>
+              </a:xfrm>
+              <a:prstGeom prst="rect">
+                <a:avLst/>
+              </a:prstGeom>
+              <a:noFill/>
+            </p:spPr>
+            <p:txBody>
+              <a:bodyPr wrap="none" rtlCol="0">
+                <a:spAutoFit/>
+              </a:bodyPr>
+              <a:lstStyle/>
+              <a:p>
+                <a:r>
+                  <a:rPr lang="en-US" dirty="0"/>
+                  <a:t>666</a:t>
+                </a:r>
+                <a:endParaRPr lang="en-CA" dirty="0"/>
+              </a:p>
+            </p:txBody>
+          </p:sp>
+        </p:grpSp>
+        <p:grpSp>
+          <p:nvGrpSpPr>
+            <p:cNvPr id="45" name="Group 44">
+              <a:extLst>
+                <a:ext uri="{FF2B5EF4-FFF2-40B4-BE49-F238E27FC236}">
+                  <a16:creationId xmlns:a16="http://schemas.microsoft.com/office/drawing/2014/main" id="{24A3DD71-3D4C-90E1-A7B6-3FFAF41C6EB9}"/>
+                </a:ext>
+              </a:extLst>
+            </p:cNvPr>
+            <p:cNvGrpSpPr/>
+            <p:nvPr/>
+          </p:nvGrpSpPr>
+          <p:grpSpPr>
+            <a:xfrm>
+              <a:off x="3726180" y="9756775"/>
+              <a:ext cx="1988820" cy="449580"/>
+              <a:chOff x="3726180" y="9220200"/>
+              <a:chExt cx="1988820" cy="449580"/>
+            </a:xfrm>
+          </p:grpSpPr>
+          <p:grpSp>
+            <p:nvGrpSpPr>
+              <p:cNvPr id="46" name="Group 45">
+                <a:extLst>
+                  <a:ext uri="{FF2B5EF4-FFF2-40B4-BE49-F238E27FC236}">
+                    <a16:creationId xmlns:a16="http://schemas.microsoft.com/office/drawing/2014/main" id="{1BFA7221-4CC2-C879-B98A-5B5B26A56F2B}"/>
+                  </a:ext>
+                </a:extLst>
+              </p:cNvPr>
+              <p:cNvGrpSpPr/>
+              <p:nvPr/>
+            </p:nvGrpSpPr>
+            <p:grpSpPr>
+              <a:xfrm>
+                <a:off x="3726180" y="9220200"/>
+                <a:ext cx="1988820" cy="449580"/>
+                <a:chOff x="3726180" y="9220200"/>
+                <a:chExt cx="1988820" cy="449580"/>
+              </a:xfrm>
+            </p:grpSpPr>
+            <p:sp>
+              <p:nvSpPr>
+                <p:cNvPr id="48" name="TextBox 47">
+                  <a:extLst>
+                    <a:ext uri="{FF2B5EF4-FFF2-40B4-BE49-F238E27FC236}">
+                      <a16:creationId xmlns:a16="http://schemas.microsoft.com/office/drawing/2014/main" id="{38EEFF33-B3C2-67A9-C600-B3CF92847391}"/>
+                    </a:ext>
+                  </a:extLst>
+                </p:cNvPr>
+                <p:cNvSpPr txBox="1"/>
+                <p:nvPr/>
+              </p:nvSpPr>
+              <p:spPr>
+                <a:xfrm>
+                  <a:off x="3726180" y="9265920"/>
+                  <a:ext cx="838691" cy="369332"/>
+                </a:xfrm>
+                <a:prstGeom prst="rect">
+                  <a:avLst/>
+                </a:prstGeom>
+                <a:noFill/>
+              </p:spPr>
+              <p:txBody>
+                <a:bodyPr wrap="none" rtlCol="0">
+                  <a:spAutoFit/>
+                </a:bodyPr>
+                <a:lstStyle/>
+                <a:p>
+                  <a:r>
+                    <a:rPr lang="en-US" dirty="0" err="1"/>
+                    <a:t>imagM</a:t>
+                  </a:r>
+                  <a:endParaRPr lang="en-CA" dirty="0"/>
+                </a:p>
+              </p:txBody>
+            </p:sp>
+            <p:sp>
+              <p:nvSpPr>
+                <p:cNvPr id="49" name="Rectangle 48">
+                  <a:extLst>
+                    <a:ext uri="{FF2B5EF4-FFF2-40B4-BE49-F238E27FC236}">
+                      <a16:creationId xmlns:a16="http://schemas.microsoft.com/office/drawing/2014/main" id="{8A48AB3C-31ED-AFED-196D-F10C6C46464F}"/>
+                    </a:ext>
+                  </a:extLst>
+                </p:cNvPr>
+                <p:cNvSpPr/>
+                <p:nvPr/>
+              </p:nvSpPr>
+              <p:spPr>
+                <a:xfrm>
+                  <a:off x="4518660" y="9220200"/>
+                  <a:ext cx="1196340" cy="449580"/>
+                </a:xfrm>
+                <a:prstGeom prst="rect">
+                  <a:avLst/>
+                </a:prstGeom>
+                <a:noFill/>
+              </p:spPr>
+              <p:style>
+                <a:lnRef idx="2">
+                  <a:schemeClr val="accent1">
+                    <a:shade val="15000"/>
+                  </a:schemeClr>
+                </a:lnRef>
+                <a:fillRef idx="1">
+                  <a:schemeClr val="accent1"/>
+                </a:fillRef>
+                <a:effectRef idx="0">
+                  <a:schemeClr val="accent1"/>
+                </a:effectRef>
+                <a:fontRef idx="minor">
+                  <a:schemeClr val="lt1"/>
+                </a:fontRef>
+              </p:style>
+              <p:txBody>
+                <a:bodyPr rtlCol="0" anchor="ctr"/>
+                <a:lstStyle/>
+                <a:p>
+                  <a:pPr algn="ctr"/>
+                  <a:endParaRPr lang="en-CA"/>
+                </a:p>
+              </p:txBody>
+            </p:sp>
+          </p:grpSp>
+          <p:sp>
+            <p:nvSpPr>
+              <p:cNvPr id="47" name="TextBox 46">
+                <a:extLst>
+                  <a:ext uri="{FF2B5EF4-FFF2-40B4-BE49-F238E27FC236}">
+                    <a16:creationId xmlns:a16="http://schemas.microsoft.com/office/drawing/2014/main" id="{BA578D2A-6C03-5626-B39C-F6D83735EF0B}"/>
+                  </a:ext>
+                </a:extLst>
+              </p:cNvPr>
+              <p:cNvSpPr txBox="1"/>
+              <p:nvPr/>
+            </p:nvSpPr>
+            <p:spPr>
+              <a:xfrm>
+                <a:off x="4956175" y="9242425"/>
+                <a:ext cx="301686" cy="369332"/>
+              </a:xfrm>
+              <a:prstGeom prst="rect">
+                <a:avLst/>
+              </a:prstGeom>
+              <a:noFill/>
+            </p:spPr>
+            <p:txBody>
+              <a:bodyPr wrap="none" rtlCol="0">
+                <a:spAutoFit/>
+              </a:bodyPr>
+              <a:lstStyle/>
+              <a:p>
+                <a:r>
+                  <a:rPr lang="en-US" dirty="0"/>
+                  <a:t>0</a:t>
+                </a:r>
+                <a:endParaRPr lang="en-CA" dirty="0"/>
+              </a:p>
+            </p:txBody>
+          </p:sp>
+        </p:grpSp>
+      </p:grpSp>
+      <p:grpSp>
+        <p:nvGrpSpPr>
+          <p:cNvPr id="8" name="Group 7">
+            <a:extLst>
+              <a:ext uri="{FF2B5EF4-FFF2-40B4-BE49-F238E27FC236}">
+                <a16:creationId xmlns:a16="http://schemas.microsoft.com/office/drawing/2014/main" id="{484AF95F-1545-4C64-A909-6A00505620AD}"/>
+              </a:ext>
+            </a:extLst>
+          </p:cNvPr>
+          <p:cNvGrpSpPr/>
+          <p:nvPr/>
+        </p:nvGrpSpPr>
+        <p:grpSpPr>
+          <a:xfrm>
+            <a:off x="1391552" y="6058263"/>
+            <a:ext cx="5106423" cy="2714728"/>
+            <a:chOff x="1180278" y="5991226"/>
+            <a:chExt cx="5106423" cy="2714728"/>
+          </a:xfrm>
+        </p:grpSpPr>
+        <p:grpSp>
+          <p:nvGrpSpPr>
+            <p:cNvPr id="51" name="Group 50">
+              <a:extLst>
+                <a:ext uri="{FF2B5EF4-FFF2-40B4-BE49-F238E27FC236}">
+                  <a16:creationId xmlns:a16="http://schemas.microsoft.com/office/drawing/2014/main" id="{4CF7B35C-1CBE-EFF9-1AFB-07CB63293495}"/>
+                </a:ext>
+              </a:extLst>
+            </p:cNvPr>
+            <p:cNvGrpSpPr/>
+            <p:nvPr/>
+          </p:nvGrpSpPr>
+          <p:grpSpPr>
+            <a:xfrm>
+              <a:off x="1180278" y="5991226"/>
+              <a:ext cx="5106423" cy="2714728"/>
+              <a:chOff x="1189803" y="11410951"/>
+              <a:chExt cx="5106423" cy="2714728"/>
+            </a:xfrm>
+          </p:grpSpPr>
+          <p:sp>
+            <p:nvSpPr>
+              <p:cNvPr id="52" name="TextBox 51">
+                <a:extLst>
+                  <a:ext uri="{FF2B5EF4-FFF2-40B4-BE49-F238E27FC236}">
+                    <a16:creationId xmlns:a16="http://schemas.microsoft.com/office/drawing/2014/main" id="{38A27BE1-C433-3EC8-AD02-7ACEEA2AFA3A}"/>
+                  </a:ext>
+                </a:extLst>
+              </p:cNvPr>
+              <p:cNvSpPr txBox="1">
+                <a:spLocks/>
+              </p:cNvSpPr>
+              <p:nvPr/>
+            </p:nvSpPr>
+            <p:spPr>
+              <a:xfrm>
+                <a:off x="1189803" y="12084574"/>
+                <a:ext cx="1557862" cy="369332"/>
+              </a:xfrm>
+              <a:prstGeom prst="rect">
+                <a:avLst/>
+              </a:prstGeom>
+              <a:noFill/>
+            </p:spPr>
+            <p:txBody>
+              <a:bodyPr wrap="none" rtlCol="0">
+                <a:spAutoFit/>
+              </a:bodyPr>
+              <a:lstStyle/>
+              <a:p>
+                <a:r>
+                  <a:rPr lang="en-US" dirty="0"/>
+                  <a:t>AR </a:t>
+                </a:r>
+                <a:r>
+                  <a:rPr lang="en-US" dirty="0" err="1"/>
+                  <a:t>setRealPart</a:t>
+                </a:r>
+                <a:endParaRPr lang="en-CA" dirty="0"/>
+              </a:p>
+            </p:txBody>
+          </p:sp>
+          <p:grpSp>
+            <p:nvGrpSpPr>
+              <p:cNvPr id="53" name="Group 52">
+                <a:extLst>
+                  <a:ext uri="{FF2B5EF4-FFF2-40B4-BE49-F238E27FC236}">
+                    <a16:creationId xmlns:a16="http://schemas.microsoft.com/office/drawing/2014/main" id="{78828CDF-D2ED-82A1-1BDD-8B1290D384A2}"/>
+                  </a:ext>
+                </a:extLst>
+              </p:cNvPr>
+              <p:cNvGrpSpPr/>
+              <p:nvPr/>
+            </p:nvGrpSpPr>
+            <p:grpSpPr>
+              <a:xfrm>
+                <a:off x="2717499" y="11410951"/>
+                <a:ext cx="3578727" cy="2714728"/>
+                <a:chOff x="2313639" y="10762389"/>
+                <a:chExt cx="3578727" cy="1222070"/>
+              </a:xfrm>
+            </p:grpSpPr>
+            <p:sp>
+              <p:nvSpPr>
+                <p:cNvPr id="54" name="TextBox 53">
+                  <a:extLst>
+                    <a:ext uri="{FF2B5EF4-FFF2-40B4-BE49-F238E27FC236}">
+                      <a16:creationId xmlns:a16="http://schemas.microsoft.com/office/drawing/2014/main" id="{AFFC1990-C61E-4004-59D1-9B893E092322}"/>
+                    </a:ext>
+                  </a:extLst>
+                </p:cNvPr>
+                <p:cNvSpPr txBox="1"/>
+                <p:nvPr/>
+              </p:nvSpPr>
+              <p:spPr>
+                <a:xfrm>
+                  <a:off x="2326339" y="10913495"/>
+                  <a:ext cx="3550920" cy="166260"/>
+                </a:xfrm>
+                <a:prstGeom prst="rect">
+                  <a:avLst/>
+                </a:prstGeom>
+                <a:noFill/>
+              </p:spPr>
+              <p:txBody>
+                <a:bodyPr wrap="square" rtlCol="0" anchor="ctr">
+                  <a:spAutoFit/>
+                </a:bodyPr>
+                <a:lstStyle/>
+                <a:p>
+                  <a:pPr algn="ctr"/>
+                  <a:r>
+                    <a:rPr lang="en-US" dirty="0"/>
+                    <a:t>No local variables</a:t>
+                  </a:r>
+                  <a:endParaRPr lang="en-CA" dirty="0"/>
+                </a:p>
+              </p:txBody>
+            </p:sp>
+            <p:grpSp>
+              <p:nvGrpSpPr>
+                <p:cNvPr id="55" name="Group 54">
+                  <a:extLst>
+                    <a:ext uri="{FF2B5EF4-FFF2-40B4-BE49-F238E27FC236}">
+                      <a16:creationId xmlns:a16="http://schemas.microsoft.com/office/drawing/2014/main" id="{4B74C658-2D3D-7E7C-57AA-048322BB3781}"/>
+                    </a:ext>
+                  </a:extLst>
+                </p:cNvPr>
+                <p:cNvGrpSpPr/>
+                <p:nvPr/>
+              </p:nvGrpSpPr>
+              <p:grpSpPr>
+                <a:xfrm>
+                  <a:off x="2313639" y="10762389"/>
+                  <a:ext cx="3578727" cy="1222070"/>
+                  <a:chOff x="2313639" y="10762389"/>
+                  <a:chExt cx="3578727" cy="1222070"/>
+                </a:xfrm>
+              </p:grpSpPr>
+              <p:cxnSp>
+                <p:nvCxnSpPr>
+                  <p:cNvPr id="56" name="Straight Connector 55">
+                    <a:extLst>
+                      <a:ext uri="{FF2B5EF4-FFF2-40B4-BE49-F238E27FC236}">
+                        <a16:creationId xmlns:a16="http://schemas.microsoft.com/office/drawing/2014/main" id="{12D956AD-E465-761A-A717-1109E9144E66}"/>
+                      </a:ext>
+                    </a:extLst>
+                  </p:cNvPr>
+                  <p:cNvCxnSpPr>
+                    <a:cxnSpLocks/>
+                  </p:cNvCxnSpPr>
+                  <p:nvPr/>
+                </p:nvCxnSpPr>
+                <p:spPr>
+                  <a:xfrm>
+                    <a:off x="2313639" y="11252284"/>
+                    <a:ext cx="3550920" cy="0"/>
+                  </a:xfrm>
+                  <a:prstGeom prst="line">
+                    <a:avLst/>
+                  </a:prstGeom>
+                </p:spPr>
+                <p:style>
+                  <a:lnRef idx="1">
+                    <a:schemeClr val="dk1"/>
+                  </a:lnRef>
+                  <a:fillRef idx="0">
+                    <a:schemeClr val="dk1"/>
+                  </a:fillRef>
+                  <a:effectRef idx="0">
+                    <a:schemeClr val="dk1"/>
+                  </a:effectRef>
+                  <a:fontRef idx="minor">
+                    <a:schemeClr val="tx1"/>
+                  </a:fontRef>
+                </p:style>
+              </p:cxnSp>
+              <p:sp>
+                <p:nvSpPr>
+                  <p:cNvPr id="57" name="Rectangle 56">
+                    <a:extLst>
+                      <a:ext uri="{FF2B5EF4-FFF2-40B4-BE49-F238E27FC236}">
+                        <a16:creationId xmlns:a16="http://schemas.microsoft.com/office/drawing/2014/main" id="{17ABD746-B5FB-5CA1-22F5-A4CA1880543A}"/>
+                      </a:ext>
+                    </a:extLst>
+                  </p:cNvPr>
+                  <p:cNvSpPr>
+                    <a:spLocks/>
+                  </p:cNvSpPr>
+                  <p:nvPr/>
+                </p:nvSpPr>
+                <p:spPr>
+                  <a:xfrm>
+                    <a:off x="2339040" y="10762389"/>
+                    <a:ext cx="3553326" cy="1222070"/>
+                  </a:xfrm>
+                  <a:prstGeom prst="rect">
+                    <a:avLst/>
+                  </a:prstGeom>
+                  <a:noFill/>
+                  <a:ln>
+                    <a:solidFill>
+                      <a:schemeClr val="tx1"/>
+                    </a:solidFill>
+                  </a:ln>
+                </p:spPr>
+                <p:style>
+                  <a:lnRef idx="2">
+                    <a:schemeClr val="accent1">
+                      <a:shade val="15000"/>
+                    </a:schemeClr>
+                  </a:lnRef>
+                  <a:fillRef idx="1">
+                    <a:schemeClr val="accent1"/>
+                  </a:fillRef>
+                  <a:effectRef idx="0">
+                    <a:schemeClr val="accent1"/>
+                  </a:effectRef>
+                  <a:fontRef idx="minor">
+                    <a:schemeClr val="lt1"/>
+                  </a:fontRef>
+                </p:style>
+                <p:txBody>
+                  <a:bodyPr rtlCol="0" anchor="ctr"/>
+                  <a:lstStyle/>
+                  <a:p>
+                    <a:pPr algn="ctr"/>
+                    <a:endParaRPr lang="en-CA"/>
+                  </a:p>
+                </p:txBody>
+              </p:sp>
+            </p:grpSp>
+          </p:grpSp>
+        </p:grpSp>
+        <p:grpSp>
+          <p:nvGrpSpPr>
+            <p:cNvPr id="58" name="Group 57">
+              <a:extLst>
+                <a:ext uri="{FF2B5EF4-FFF2-40B4-BE49-F238E27FC236}">
+                  <a16:creationId xmlns:a16="http://schemas.microsoft.com/office/drawing/2014/main" id="{64AC4336-A90E-F17C-60E0-7A9D58610639}"/>
+                </a:ext>
+              </a:extLst>
+            </p:cNvPr>
+            <p:cNvGrpSpPr/>
+            <p:nvPr/>
+          </p:nvGrpSpPr>
+          <p:grpSpPr>
+            <a:xfrm>
+              <a:off x="3402330" y="7315200"/>
+              <a:ext cx="1988820" cy="449580"/>
+              <a:chOff x="3726180" y="9220200"/>
+              <a:chExt cx="1988820" cy="449580"/>
+            </a:xfrm>
+          </p:grpSpPr>
+          <p:grpSp>
+            <p:nvGrpSpPr>
+              <p:cNvPr id="59" name="Group 58">
+                <a:extLst>
+                  <a:ext uri="{FF2B5EF4-FFF2-40B4-BE49-F238E27FC236}">
+                    <a16:creationId xmlns:a16="http://schemas.microsoft.com/office/drawing/2014/main" id="{2CC2C2AB-EACD-8A30-228F-3A3B101E2294}"/>
+                  </a:ext>
+                </a:extLst>
+              </p:cNvPr>
+              <p:cNvGrpSpPr/>
+              <p:nvPr/>
+            </p:nvGrpSpPr>
+            <p:grpSpPr>
+              <a:xfrm>
+                <a:off x="3726180" y="9220200"/>
+                <a:ext cx="1988820" cy="449580"/>
+                <a:chOff x="3726180" y="9220200"/>
+                <a:chExt cx="1988820" cy="449580"/>
+              </a:xfrm>
+            </p:grpSpPr>
+            <p:sp>
+              <p:nvSpPr>
+                <p:cNvPr id="70" name="TextBox 69">
+                  <a:extLst>
+                    <a:ext uri="{FF2B5EF4-FFF2-40B4-BE49-F238E27FC236}">
+                      <a16:creationId xmlns:a16="http://schemas.microsoft.com/office/drawing/2014/main" id="{5A21A1A5-5608-B04B-78C8-9830E100EE13}"/>
+                    </a:ext>
+                  </a:extLst>
+                </p:cNvPr>
+                <p:cNvSpPr txBox="1"/>
+                <p:nvPr/>
+              </p:nvSpPr>
+              <p:spPr>
+                <a:xfrm>
+                  <a:off x="3726180" y="9265920"/>
+                  <a:ext cx="481286" cy="369332"/>
+                </a:xfrm>
+                <a:prstGeom prst="rect">
+                  <a:avLst/>
+                </a:prstGeom>
+                <a:noFill/>
+              </p:spPr>
+              <p:txBody>
+                <a:bodyPr wrap="none" rtlCol="0">
+                  <a:spAutoFit/>
+                </a:bodyPr>
+                <a:lstStyle/>
+                <a:p>
+                  <a:r>
+                    <a:rPr lang="en-US" dirty="0" err="1"/>
+                    <a:t>arg</a:t>
+                  </a:r>
+                  <a:endParaRPr lang="en-CA" dirty="0"/>
+                </a:p>
+              </p:txBody>
+            </p:sp>
+            <p:sp>
+              <p:nvSpPr>
+                <p:cNvPr id="71" name="Rectangle 70">
+                  <a:extLst>
+                    <a:ext uri="{FF2B5EF4-FFF2-40B4-BE49-F238E27FC236}">
+                      <a16:creationId xmlns:a16="http://schemas.microsoft.com/office/drawing/2014/main" id="{701D4E96-C4A1-AF0F-C775-520688AABB9B}"/>
+                    </a:ext>
+                  </a:extLst>
+                </p:cNvPr>
+                <p:cNvSpPr/>
+                <p:nvPr/>
+              </p:nvSpPr>
+              <p:spPr>
+                <a:xfrm>
+                  <a:off x="4518660" y="9220200"/>
+                  <a:ext cx="1196340" cy="449580"/>
+                </a:xfrm>
+                <a:prstGeom prst="rect">
+                  <a:avLst/>
+                </a:prstGeom>
+                <a:noFill/>
+              </p:spPr>
+              <p:style>
+                <a:lnRef idx="2">
+                  <a:schemeClr val="accent1">
+                    <a:shade val="15000"/>
+                  </a:schemeClr>
+                </a:lnRef>
+                <a:fillRef idx="1">
+                  <a:schemeClr val="accent1"/>
+                </a:fillRef>
+                <a:effectRef idx="0">
+                  <a:schemeClr val="accent1"/>
+                </a:effectRef>
+                <a:fontRef idx="minor">
+                  <a:schemeClr val="lt1"/>
+                </a:fontRef>
+              </p:style>
+              <p:txBody>
+                <a:bodyPr rtlCol="0" anchor="ctr"/>
+                <a:lstStyle/>
+                <a:p>
+                  <a:pPr algn="ctr"/>
+                  <a:endParaRPr lang="en-CA"/>
+                </a:p>
+              </p:txBody>
+            </p:sp>
+          </p:grpSp>
+          <p:sp>
+            <p:nvSpPr>
+              <p:cNvPr id="63" name="TextBox 62">
+                <a:extLst>
+                  <a:ext uri="{FF2B5EF4-FFF2-40B4-BE49-F238E27FC236}">
+                    <a16:creationId xmlns:a16="http://schemas.microsoft.com/office/drawing/2014/main" id="{543D40E9-05FD-42D5-7DB8-03C0688B2AD1}"/>
+                  </a:ext>
+                </a:extLst>
+              </p:cNvPr>
+              <p:cNvSpPr txBox="1"/>
+              <p:nvPr/>
+            </p:nvSpPr>
+            <p:spPr>
+              <a:xfrm>
+                <a:off x="4797425" y="9277350"/>
+                <a:ext cx="535724" cy="369332"/>
+              </a:xfrm>
+              <a:prstGeom prst="rect">
+                <a:avLst/>
+              </a:prstGeom>
+              <a:noFill/>
+            </p:spPr>
+            <p:txBody>
+              <a:bodyPr wrap="none" rtlCol="0">
+                <a:spAutoFit/>
+              </a:bodyPr>
+              <a:lstStyle/>
+              <a:p>
+                <a:r>
+                  <a:rPr lang="en-US" dirty="0"/>
+                  <a:t>666</a:t>
+                </a:r>
+                <a:endParaRPr lang="en-CA" dirty="0"/>
+              </a:p>
+            </p:txBody>
+          </p:sp>
+        </p:grpSp>
+        <p:grpSp>
+          <p:nvGrpSpPr>
+            <p:cNvPr id="74" name="Group 73">
+              <a:extLst>
+                <a:ext uri="{FF2B5EF4-FFF2-40B4-BE49-F238E27FC236}">
+                  <a16:creationId xmlns:a16="http://schemas.microsoft.com/office/drawing/2014/main" id="{8C68C7DC-0AF0-6E55-3CF2-54D51B1392AC}"/>
+                </a:ext>
+              </a:extLst>
+            </p:cNvPr>
+            <p:cNvGrpSpPr/>
+            <p:nvPr/>
+          </p:nvGrpSpPr>
+          <p:grpSpPr>
+            <a:xfrm>
+              <a:off x="3395980" y="8001000"/>
+              <a:ext cx="1988820" cy="449580"/>
+              <a:chOff x="3726180" y="9220200"/>
+              <a:chExt cx="1988820" cy="449580"/>
+            </a:xfrm>
+          </p:grpSpPr>
+          <p:sp>
+            <p:nvSpPr>
+              <p:cNvPr id="76" name="TextBox 75">
+                <a:extLst>
+                  <a:ext uri="{FF2B5EF4-FFF2-40B4-BE49-F238E27FC236}">
+                    <a16:creationId xmlns:a16="http://schemas.microsoft.com/office/drawing/2014/main" id="{270AAFD7-1BC8-9F97-0A09-5C37D7AA2E3D}"/>
+                  </a:ext>
+                </a:extLst>
+              </p:cNvPr>
+              <p:cNvSpPr txBox="1"/>
+              <p:nvPr/>
+            </p:nvSpPr>
+            <p:spPr>
+              <a:xfrm>
+                <a:off x="3726180" y="9265920"/>
+                <a:ext cx="526106" cy="369332"/>
+              </a:xfrm>
+              <a:prstGeom prst="rect">
+                <a:avLst/>
+              </a:prstGeom>
+              <a:noFill/>
+            </p:spPr>
+            <p:txBody>
+              <a:bodyPr wrap="none" rtlCol="0">
+                <a:spAutoFit/>
+              </a:bodyPr>
+              <a:lstStyle/>
+              <a:p>
+                <a:r>
+                  <a:rPr lang="en-US" dirty="0"/>
+                  <a:t>this</a:t>
+                </a:r>
+                <a:endParaRPr lang="en-CA" dirty="0"/>
+              </a:p>
+            </p:txBody>
+          </p:sp>
+          <p:sp>
+            <p:nvSpPr>
+              <p:cNvPr id="77" name="Rectangle 76">
+                <a:extLst>
+                  <a:ext uri="{FF2B5EF4-FFF2-40B4-BE49-F238E27FC236}">
+                    <a16:creationId xmlns:a16="http://schemas.microsoft.com/office/drawing/2014/main" id="{F429D7D9-9C3A-D2A8-21D5-65DA7E2F5717}"/>
+                  </a:ext>
+                </a:extLst>
+              </p:cNvPr>
+              <p:cNvSpPr/>
+              <p:nvPr/>
+            </p:nvSpPr>
+            <p:spPr>
+              <a:xfrm>
+                <a:off x="4518660" y="9220200"/>
+                <a:ext cx="1196340" cy="449580"/>
+              </a:xfrm>
+              <a:prstGeom prst="rect">
+                <a:avLst/>
+              </a:prstGeom>
+              <a:noFill/>
+            </p:spPr>
+            <p:style>
+              <a:lnRef idx="2">
+                <a:schemeClr val="accent1">
+                  <a:shade val="15000"/>
+                </a:schemeClr>
+              </a:lnRef>
+              <a:fillRef idx="1">
+                <a:schemeClr val="accent1"/>
+              </a:fillRef>
+              <a:effectRef idx="0">
+                <a:schemeClr val="accent1"/>
+              </a:effectRef>
+              <a:fontRef idx="minor">
+                <a:schemeClr val="lt1"/>
+              </a:fontRef>
+            </p:style>
+            <p:txBody>
+              <a:bodyPr rtlCol="0" anchor="ctr"/>
+              <a:lstStyle/>
+              <a:p>
+                <a:pPr algn="ctr"/>
+                <a:endParaRPr lang="en-CA"/>
+              </a:p>
+            </p:txBody>
+          </p:sp>
+        </p:grpSp>
+      </p:grpSp>
+      <p:cxnSp>
+        <p:nvCxnSpPr>
+          <p:cNvPr id="79" name="Straight Arrow Connector 78">
+            <a:extLst>
+              <a:ext uri="{FF2B5EF4-FFF2-40B4-BE49-F238E27FC236}">
+                <a16:creationId xmlns:a16="http://schemas.microsoft.com/office/drawing/2014/main" id="{23BE5658-F49C-12E1-A7F5-210624322A4C}"/>
+              </a:ext>
+            </a:extLst>
+          </p:cNvPr>
+          <p:cNvCxnSpPr>
+            <a:cxnSpLocks/>
+            <a:stCxn id="77" idx="2"/>
+            <a:endCxn id="14" idx="0"/>
+          </p:cNvCxnSpPr>
+          <p:nvPr/>
+        </p:nvCxnSpPr>
+        <p:spPr>
+          <a:xfrm>
+            <a:off x="4997904" y="8517617"/>
+            <a:ext cx="99695" cy="1343025"/>
+          </a:xfrm>
+          <a:prstGeom prst="straightConnector1">
+            <a:avLst/>
+          </a:prstGeom>
+          <a:ln w="25400">
+            <a:solidFill>
+              <a:schemeClr val="tx1"/>
+            </a:solidFill>
+            <a:tailEnd type="triangle"/>
+          </a:ln>
+        </p:spPr>
+        <p:style>
+          <a:lnRef idx="1">
+            <a:schemeClr val="accent1"/>
+          </a:lnRef>
+          <a:fillRef idx="0">
+            <a:schemeClr val="accent1"/>
+          </a:fillRef>
+          <a:effectRef idx="0">
+            <a:schemeClr val="accent1"/>
+          </a:effectRef>
+          <a:fontRef idx="minor">
+            <a:schemeClr val="tx1"/>
+          </a:fontRef>
+        </p:style>
+      </p:cxnSp>
+    </p:spTree>
+    <p:extLst>
+      <p:ext uri="{BB962C8B-B14F-4D97-AF65-F5344CB8AC3E}">
+        <p14:creationId xmlns:p14="http://schemas.microsoft.com/office/powerpoint/2010/main" val="2728562057"/>
+      </p:ext>
+    </p:extLst>
+  </p:cSld>
+  <p:clrMapOvr>
+    <a:masterClrMapping/>
+  </p:clrMapOvr>
+</p:sld>
+</file>
+
+<file path=ppt/slides/slide4.xml><?xml version="1.0" encoding="utf-8"?>
+<p:sld xmlns:a="http://schemas.openxmlformats.org/drawingml/2006/main" xmlns:r="http://schemas.openxmlformats.org/officeDocument/2006/relationships" xmlns:p="http://schemas.openxmlformats.org/presentationml/2006/main">
+  <p:cSld>
+    <p:spTree>
+      <p:nvGrpSpPr>
+        <p:cNvPr id="1" name=""/>
+        <p:cNvGrpSpPr/>
+        <p:nvPr/>
+      </p:nvGrpSpPr>
+      <p:grpSpPr>
+        <a:xfrm>
+          <a:off x="0" y="0"/>
+          <a:ext cx="0" cy="0"/>
+          <a:chOff x="0" y="0"/>
+          <a:chExt cx="0" cy="0"/>
+        </a:xfrm>
+      </p:grpSpPr>
+      <p:sp>
+        <p:nvSpPr>
+          <p:cNvPr id="3" name="TextBox 2">
+            <a:extLst>
+              <a:ext uri="{FF2B5EF4-FFF2-40B4-BE49-F238E27FC236}">
+                <a16:creationId xmlns:a16="http://schemas.microsoft.com/office/drawing/2014/main" id="{3ADCEB22-761A-1882-E9D1-306234468128}"/>
+              </a:ext>
+            </a:extLst>
+          </p:cNvPr>
+          <p:cNvSpPr txBox="1"/>
+          <p:nvPr/>
+        </p:nvSpPr>
+        <p:spPr>
+          <a:xfrm>
+            <a:off x="9500102" y="5971782"/>
+            <a:ext cx="1843582" cy="369332"/>
+          </a:xfrm>
+          <a:prstGeom prst="rect">
+            <a:avLst/>
+          </a:prstGeom>
+          <a:noFill/>
+        </p:spPr>
+        <p:txBody>
+          <a:bodyPr wrap="none" rtlCol="0">
+            <a:spAutoFit/>
+          </a:bodyPr>
+          <a:lstStyle/>
+          <a:p>
+            <a:r>
+              <a:rPr lang="en-US" b="1" u="sng" dirty="0"/>
+              <a:t>Exercise 2 Point 2</a:t>
+            </a:r>
+            <a:endParaRPr lang="en-CA" b="1" u="sng" dirty="0"/>
+          </a:p>
+        </p:txBody>
+      </p:sp>
+      <p:grpSp>
+        <p:nvGrpSpPr>
+          <p:cNvPr id="50" name="Group 49">
+            <a:extLst>
+              <a:ext uri="{FF2B5EF4-FFF2-40B4-BE49-F238E27FC236}">
+                <a16:creationId xmlns:a16="http://schemas.microsoft.com/office/drawing/2014/main" id="{A9C2C6BC-3594-B83B-2BDB-34C2DE0D5D63}"/>
+              </a:ext>
+            </a:extLst>
+          </p:cNvPr>
+          <p:cNvGrpSpPr/>
+          <p:nvPr/>
+        </p:nvGrpSpPr>
+        <p:grpSpPr>
+          <a:xfrm>
+            <a:off x="1767653" y="9131298"/>
+            <a:ext cx="4526166" cy="2689328"/>
+            <a:chOff x="1786703" y="11436348"/>
+            <a:chExt cx="4526166" cy="2689328"/>
+          </a:xfrm>
+        </p:grpSpPr>
+        <p:sp>
+          <p:nvSpPr>
+            <p:cNvPr id="13" name="TextBox 12">
+              <a:extLst>
+                <a:ext uri="{FF2B5EF4-FFF2-40B4-BE49-F238E27FC236}">
+                  <a16:creationId xmlns:a16="http://schemas.microsoft.com/office/drawing/2014/main" id="{2BEB660A-F17F-EBD5-09C5-DB7ABA245FA4}"/>
+                </a:ext>
+              </a:extLst>
+            </p:cNvPr>
+            <p:cNvSpPr txBox="1">
+              <a:spLocks/>
+            </p:cNvSpPr>
+            <p:nvPr/>
+          </p:nvSpPr>
+          <p:spPr>
+            <a:xfrm>
+              <a:off x="1786703" y="12078224"/>
+              <a:ext cx="965329" cy="369332"/>
+            </a:xfrm>
+            <a:prstGeom prst="rect">
+              <a:avLst/>
+            </a:prstGeom>
+            <a:noFill/>
+          </p:spPr>
+          <p:txBody>
+            <a:bodyPr wrap="none" rtlCol="0">
+              <a:spAutoFit/>
+            </a:bodyPr>
+            <a:lstStyle/>
+            <a:p>
+              <a:r>
+                <a:rPr lang="en-US" dirty="0"/>
+                <a:t>AR main</a:t>
+              </a:r>
+              <a:endParaRPr lang="en-CA" dirty="0"/>
+            </a:p>
+          </p:txBody>
+        </p:sp>
+        <p:grpSp>
+          <p:nvGrpSpPr>
+            <p:cNvPr id="9" name="Group 8">
+              <a:extLst>
+                <a:ext uri="{FF2B5EF4-FFF2-40B4-BE49-F238E27FC236}">
+                  <a16:creationId xmlns:a16="http://schemas.microsoft.com/office/drawing/2014/main" id="{0C726B84-D314-FFE5-89DD-8A8BBFCB0E4C}"/>
+                </a:ext>
+              </a:extLst>
+            </p:cNvPr>
+            <p:cNvGrpSpPr/>
+            <p:nvPr/>
+          </p:nvGrpSpPr>
+          <p:grpSpPr>
+            <a:xfrm>
+              <a:off x="2742900" y="11436348"/>
+              <a:ext cx="3569969" cy="2689328"/>
+              <a:chOff x="2339040" y="10773823"/>
+              <a:chExt cx="3569969" cy="1210636"/>
+            </a:xfrm>
+          </p:grpSpPr>
+          <p:sp>
+            <p:nvSpPr>
+              <p:cNvPr id="12" name="TextBox 11">
+                <a:extLst>
+                  <a:ext uri="{FF2B5EF4-FFF2-40B4-BE49-F238E27FC236}">
+                    <a16:creationId xmlns:a16="http://schemas.microsoft.com/office/drawing/2014/main" id="{0B433080-284D-7D97-2992-FE77EE257555}"/>
+                  </a:ext>
+                </a:extLst>
+              </p:cNvPr>
+              <p:cNvSpPr txBox="1"/>
+              <p:nvPr/>
+            </p:nvSpPr>
+            <p:spPr>
+              <a:xfrm>
+                <a:off x="2345389" y="11751046"/>
+                <a:ext cx="3550920" cy="166260"/>
+              </a:xfrm>
+              <a:prstGeom prst="rect">
+                <a:avLst/>
+              </a:prstGeom>
+              <a:noFill/>
+            </p:spPr>
+            <p:txBody>
+              <a:bodyPr wrap="square" rtlCol="0" anchor="ctr">
+                <a:spAutoFit/>
+              </a:bodyPr>
+              <a:lstStyle/>
+              <a:p>
+                <a:pPr algn="ctr"/>
+                <a:r>
+                  <a:rPr lang="en-US" dirty="0"/>
+                  <a:t>No arguments</a:t>
+                </a:r>
+                <a:endParaRPr lang="en-CA" dirty="0"/>
+              </a:p>
+            </p:txBody>
+          </p:sp>
+          <p:grpSp>
+            <p:nvGrpSpPr>
+              <p:cNvPr id="7" name="Group 6">
+                <a:extLst>
+                  <a:ext uri="{FF2B5EF4-FFF2-40B4-BE49-F238E27FC236}">
+                    <a16:creationId xmlns:a16="http://schemas.microsoft.com/office/drawing/2014/main" id="{A3543ED9-70AB-D5F8-6813-4307B1B94B25}"/>
+                  </a:ext>
+                </a:extLst>
+              </p:cNvPr>
+              <p:cNvGrpSpPr/>
+              <p:nvPr/>
+            </p:nvGrpSpPr>
+            <p:grpSpPr>
+              <a:xfrm>
+                <a:off x="2339040" y="10773823"/>
+                <a:ext cx="3569969" cy="1210636"/>
+                <a:chOff x="2339040" y="10773823"/>
+                <a:chExt cx="3569969" cy="1210636"/>
+              </a:xfrm>
+            </p:grpSpPr>
+            <p:cxnSp>
+              <p:nvCxnSpPr>
+                <p:cNvPr id="11" name="Straight Connector 10">
+                  <a:extLst>
+                    <a:ext uri="{FF2B5EF4-FFF2-40B4-BE49-F238E27FC236}">
+                      <a16:creationId xmlns:a16="http://schemas.microsoft.com/office/drawing/2014/main" id="{864EEF87-5E24-8D86-29AE-FBEDA76B19C1}"/>
+                    </a:ext>
+                  </a:extLst>
+                </p:cNvPr>
+                <p:cNvCxnSpPr>
+                  <a:cxnSpLocks/>
+                </p:cNvCxnSpPr>
+                <p:nvPr/>
+              </p:nvCxnSpPr>
+              <p:spPr>
+                <a:xfrm>
+                  <a:off x="2358089" y="11703933"/>
+                  <a:ext cx="3550920" cy="0"/>
+                </a:xfrm>
+                <a:prstGeom prst="line">
+                  <a:avLst/>
+                </a:prstGeom>
+              </p:spPr>
+              <p:style>
+                <a:lnRef idx="1">
+                  <a:schemeClr val="dk1"/>
+                </a:lnRef>
+                <a:fillRef idx="0">
+                  <a:schemeClr val="dk1"/>
+                </a:fillRef>
+                <a:effectRef idx="0">
+                  <a:schemeClr val="dk1"/>
+                </a:effectRef>
+                <a:fontRef idx="minor">
+                  <a:schemeClr val="tx1"/>
+                </a:fontRef>
+              </p:style>
+            </p:cxnSp>
+            <p:sp>
+              <p:nvSpPr>
+                <p:cNvPr id="10" name="Rectangle 9">
+                  <a:extLst>
+                    <a:ext uri="{FF2B5EF4-FFF2-40B4-BE49-F238E27FC236}">
+                      <a16:creationId xmlns:a16="http://schemas.microsoft.com/office/drawing/2014/main" id="{9C9B4144-BA02-7272-481D-121FB6A4802E}"/>
+                    </a:ext>
+                  </a:extLst>
+                </p:cNvPr>
+                <p:cNvSpPr>
+                  <a:spLocks/>
+                </p:cNvSpPr>
+                <p:nvPr/>
+              </p:nvSpPr>
+              <p:spPr>
+                <a:xfrm>
+                  <a:off x="2339040" y="10773823"/>
+                  <a:ext cx="3553326" cy="1210636"/>
+                </a:xfrm>
+                <a:prstGeom prst="rect">
+                  <a:avLst/>
+                </a:prstGeom>
+                <a:noFill/>
+                <a:ln>
+                  <a:solidFill>
+                    <a:schemeClr val="tx1"/>
+                  </a:solidFill>
+                </a:ln>
+              </p:spPr>
+              <p:style>
+                <a:lnRef idx="2">
+                  <a:schemeClr val="accent1">
+                    <a:shade val="15000"/>
+                  </a:schemeClr>
+                </a:lnRef>
+                <a:fillRef idx="1">
+                  <a:schemeClr val="accent1"/>
+                </a:fillRef>
+                <a:effectRef idx="0">
+                  <a:schemeClr val="accent1"/>
+                </a:effectRef>
+                <a:fontRef idx="minor">
+                  <a:schemeClr val="lt1"/>
+                </a:fontRef>
+              </p:style>
+              <p:txBody>
+                <a:bodyPr rtlCol="0" anchor="ctr"/>
+                <a:lstStyle/>
+                <a:p>
+                  <a:pPr algn="ctr"/>
+                  <a:endParaRPr lang="en-CA"/>
+                </a:p>
+              </p:txBody>
+            </p:sp>
+          </p:grpSp>
+        </p:grpSp>
+      </p:grpSp>
+      <p:grpSp>
+        <p:nvGrpSpPr>
+          <p:cNvPr id="5" name="Group 4">
+            <a:extLst>
+              <a:ext uri="{FF2B5EF4-FFF2-40B4-BE49-F238E27FC236}">
+                <a16:creationId xmlns:a16="http://schemas.microsoft.com/office/drawing/2014/main" id="{229B29AE-8806-D60F-2FFB-D589A77E9086}"/>
+              </a:ext>
+            </a:extLst>
+          </p:cNvPr>
+          <p:cNvGrpSpPr/>
+          <p:nvPr/>
+        </p:nvGrpSpPr>
+        <p:grpSpPr>
+          <a:xfrm>
+            <a:off x="2804061" y="9525000"/>
+            <a:ext cx="3234789" cy="1143000"/>
+            <a:chOff x="2785011" y="9144000"/>
+            <a:chExt cx="3234789" cy="1143000"/>
+          </a:xfrm>
+        </p:grpSpPr>
+        <p:sp>
+          <p:nvSpPr>
+            <p:cNvPr id="104" name="TextBox 103">
+              <a:extLst>
+                <a:ext uri="{FF2B5EF4-FFF2-40B4-BE49-F238E27FC236}">
+                  <a16:creationId xmlns:a16="http://schemas.microsoft.com/office/drawing/2014/main" id="{DAB27740-4A5A-FE22-9593-CAD7FA8B1824}"/>
+                </a:ext>
+              </a:extLst>
+            </p:cNvPr>
+            <p:cNvSpPr txBox="1">
+              <a:spLocks/>
+            </p:cNvSpPr>
+            <p:nvPr/>
+          </p:nvSpPr>
+          <p:spPr>
+            <a:xfrm>
+              <a:off x="2785011" y="9158401"/>
+              <a:ext cx="773529" cy="369332"/>
+            </a:xfrm>
+            <a:prstGeom prst="rect">
+              <a:avLst/>
+            </a:prstGeom>
+            <a:noFill/>
+          </p:spPr>
+          <p:txBody>
+            <a:bodyPr wrap="square" rtlCol="0">
+              <a:spAutoFit/>
+            </a:bodyPr>
+            <a:lstStyle/>
+            <a:p>
+              <a:pPr algn="ctr"/>
+              <a:r>
+                <a:rPr lang="en-US" dirty="0"/>
+                <a:t>num1</a:t>
+              </a:r>
+              <a:endParaRPr lang="en-CA" dirty="0"/>
+            </a:p>
+          </p:txBody>
+        </p:sp>
+        <p:grpSp>
+          <p:nvGrpSpPr>
+            <p:cNvPr id="4" name="Group 3">
+              <a:extLst>
+                <a:ext uri="{FF2B5EF4-FFF2-40B4-BE49-F238E27FC236}">
+                  <a16:creationId xmlns:a16="http://schemas.microsoft.com/office/drawing/2014/main" id="{DE3DCF03-2D1E-A61C-65D6-41B96F479163}"/>
+                </a:ext>
+              </a:extLst>
+            </p:cNvPr>
+            <p:cNvGrpSpPr/>
+            <p:nvPr/>
+          </p:nvGrpSpPr>
+          <p:grpSpPr>
+            <a:xfrm>
+              <a:off x="3634740" y="9144000"/>
+              <a:ext cx="2385060" cy="1143000"/>
+              <a:chOff x="3634740" y="9144000"/>
+              <a:chExt cx="2385060" cy="1143000"/>
+            </a:xfrm>
+          </p:grpSpPr>
+          <p:sp>
+            <p:nvSpPr>
+              <p:cNvPr id="14" name="Rectangle 13">
+                <a:extLst>
+                  <a:ext uri="{FF2B5EF4-FFF2-40B4-BE49-F238E27FC236}">
+                    <a16:creationId xmlns:a16="http://schemas.microsoft.com/office/drawing/2014/main" id="{604EE2BA-A30A-003D-C766-A5D94085618D}"/>
+                  </a:ext>
+                </a:extLst>
+              </p:cNvPr>
+              <p:cNvSpPr/>
+              <p:nvPr/>
+            </p:nvSpPr>
+            <p:spPr>
+              <a:xfrm>
+                <a:off x="3634740" y="9144000"/>
+                <a:ext cx="2385060" cy="1143000"/>
+              </a:xfrm>
+              <a:prstGeom prst="rect">
+                <a:avLst/>
+              </a:prstGeom>
+              <a:noFill/>
+              <a:ln>
+                <a:solidFill>
+                  <a:schemeClr val="tx1"/>
+                </a:solidFill>
+              </a:ln>
+            </p:spPr>
+            <p:style>
+              <a:lnRef idx="2">
+                <a:schemeClr val="accent1">
+                  <a:shade val="15000"/>
+                </a:schemeClr>
+              </a:lnRef>
+              <a:fillRef idx="1">
+                <a:schemeClr val="accent1"/>
+              </a:fillRef>
+              <a:effectRef idx="0">
+                <a:schemeClr val="accent1"/>
+              </a:effectRef>
+              <a:fontRef idx="minor">
+                <a:schemeClr val="lt1"/>
+              </a:fontRef>
+            </p:style>
+            <p:txBody>
+              <a:bodyPr rtlCol="0" anchor="ctr"/>
+              <a:lstStyle/>
+              <a:p>
+                <a:pPr algn="ctr"/>
+                <a:endParaRPr lang="en-CA"/>
+              </a:p>
+            </p:txBody>
+          </p:sp>
+          <p:grpSp>
+            <p:nvGrpSpPr>
+              <p:cNvPr id="2" name="Group 1">
+                <a:extLst>
+                  <a:ext uri="{FF2B5EF4-FFF2-40B4-BE49-F238E27FC236}">
+                    <a16:creationId xmlns:a16="http://schemas.microsoft.com/office/drawing/2014/main" id="{11166C0A-3C8E-D55E-B869-4D9F5D1EDEB2}"/>
+                  </a:ext>
+                </a:extLst>
+              </p:cNvPr>
+              <p:cNvGrpSpPr/>
+              <p:nvPr/>
+            </p:nvGrpSpPr>
+            <p:grpSpPr>
+              <a:xfrm>
+                <a:off x="3726180" y="9220200"/>
+                <a:ext cx="1988820" cy="986155"/>
+                <a:chOff x="3726180" y="9220200"/>
+                <a:chExt cx="1988820" cy="986155"/>
+              </a:xfrm>
+            </p:grpSpPr>
+            <p:grpSp>
+              <p:nvGrpSpPr>
+                <p:cNvPr id="44" name="Group 43">
+                  <a:extLst>
+                    <a:ext uri="{FF2B5EF4-FFF2-40B4-BE49-F238E27FC236}">
+                      <a16:creationId xmlns:a16="http://schemas.microsoft.com/office/drawing/2014/main" id="{5AB061C7-EE0F-D5D7-E375-968B4CFB6A43}"/>
+                    </a:ext>
+                  </a:extLst>
+                </p:cNvPr>
+                <p:cNvGrpSpPr/>
+                <p:nvPr/>
+              </p:nvGrpSpPr>
+              <p:grpSpPr>
+                <a:xfrm>
+                  <a:off x="3726180" y="9220200"/>
+                  <a:ext cx="1988820" cy="449580"/>
+                  <a:chOff x="3726180" y="9220200"/>
+                  <a:chExt cx="1988820" cy="449580"/>
+                </a:xfrm>
+              </p:grpSpPr>
+              <p:grpSp>
+                <p:nvGrpSpPr>
+                  <p:cNvPr id="26" name="Group 25">
+                    <a:extLst>
+                      <a:ext uri="{FF2B5EF4-FFF2-40B4-BE49-F238E27FC236}">
+                        <a16:creationId xmlns:a16="http://schemas.microsoft.com/office/drawing/2014/main" id="{890CC89B-4F4E-EE6C-EC0A-AA7030E126FD}"/>
+                      </a:ext>
+                    </a:extLst>
+                  </p:cNvPr>
+                  <p:cNvGrpSpPr/>
+                  <p:nvPr/>
+                </p:nvGrpSpPr>
+                <p:grpSpPr>
+                  <a:xfrm>
+                    <a:off x="3726180" y="9220200"/>
+                    <a:ext cx="1988820" cy="449580"/>
+                    <a:chOff x="3726180" y="9220200"/>
+                    <a:chExt cx="1988820" cy="449580"/>
+                  </a:xfrm>
+                </p:grpSpPr>
+                <p:sp>
+                  <p:nvSpPr>
+                    <p:cNvPr id="17" name="TextBox 16">
+                      <a:extLst>
+                        <a:ext uri="{FF2B5EF4-FFF2-40B4-BE49-F238E27FC236}">
+                          <a16:creationId xmlns:a16="http://schemas.microsoft.com/office/drawing/2014/main" id="{59BB5145-D912-3C4B-E9B6-B04D01289CEF}"/>
+                        </a:ext>
+                      </a:extLst>
+                    </p:cNvPr>
+                    <p:cNvSpPr txBox="1"/>
+                    <p:nvPr/>
+                  </p:nvSpPr>
+                  <p:spPr>
+                    <a:xfrm>
+                      <a:off x="3726180" y="9265920"/>
+                      <a:ext cx="737894" cy="369332"/>
+                    </a:xfrm>
+                    <a:prstGeom prst="rect">
+                      <a:avLst/>
+                    </a:prstGeom>
+                    <a:noFill/>
+                  </p:spPr>
+                  <p:txBody>
+                    <a:bodyPr wrap="none" rtlCol="0">
+                      <a:spAutoFit/>
+                    </a:bodyPr>
+                    <a:lstStyle/>
+                    <a:p>
+                      <a:r>
+                        <a:rPr lang="en-US" dirty="0" err="1"/>
+                        <a:t>realM</a:t>
+                      </a:r>
+                      <a:endParaRPr lang="en-CA" dirty="0"/>
+                    </a:p>
+                  </p:txBody>
+                </p:sp>
+                <p:sp>
+                  <p:nvSpPr>
+                    <p:cNvPr id="19" name="Rectangle 18">
+                      <a:extLst>
+                        <a:ext uri="{FF2B5EF4-FFF2-40B4-BE49-F238E27FC236}">
+                          <a16:creationId xmlns:a16="http://schemas.microsoft.com/office/drawing/2014/main" id="{85D2C28B-D0C8-E537-643E-D4946EE2980A}"/>
+                        </a:ext>
+                      </a:extLst>
+                    </p:cNvPr>
+                    <p:cNvSpPr/>
+                    <p:nvPr/>
+                  </p:nvSpPr>
+                  <p:spPr>
+                    <a:xfrm>
+                      <a:off x="4518660" y="9220200"/>
+                      <a:ext cx="1196340" cy="449580"/>
+                    </a:xfrm>
+                    <a:prstGeom prst="rect">
+                      <a:avLst/>
+                    </a:prstGeom>
+                    <a:noFill/>
+                  </p:spPr>
+                  <p:style>
+                    <a:lnRef idx="2">
+                      <a:schemeClr val="accent1">
+                        <a:shade val="15000"/>
+                      </a:schemeClr>
+                    </a:lnRef>
+                    <a:fillRef idx="1">
+                      <a:schemeClr val="accent1"/>
+                    </a:fillRef>
+                    <a:effectRef idx="0">
+                      <a:schemeClr val="accent1"/>
+                    </a:effectRef>
+                    <a:fontRef idx="minor">
+                      <a:schemeClr val="lt1"/>
+                    </a:fontRef>
+                  </p:style>
+                  <p:txBody>
+                    <a:bodyPr rtlCol="0" anchor="ctr"/>
+                    <a:lstStyle/>
+                    <a:p>
+                      <a:pPr algn="ctr"/>
+                      <a:endParaRPr lang="en-CA"/>
+                    </a:p>
+                  </p:txBody>
+                </p:sp>
+              </p:grpSp>
+              <p:sp>
+                <p:nvSpPr>
+                  <p:cNvPr id="37" name="TextBox 36">
+                    <a:extLst>
+                      <a:ext uri="{FF2B5EF4-FFF2-40B4-BE49-F238E27FC236}">
+                        <a16:creationId xmlns:a16="http://schemas.microsoft.com/office/drawing/2014/main" id="{9788ABF9-1144-03D4-5EA8-0F33CF32BCE2}"/>
+                      </a:ext>
+                    </a:extLst>
+                  </p:cNvPr>
+                  <p:cNvSpPr txBox="1"/>
+                  <p:nvPr/>
+                </p:nvSpPr>
+                <p:spPr>
+                  <a:xfrm>
+                    <a:off x="4797425" y="9277350"/>
+                    <a:ext cx="535724" cy="369332"/>
+                  </a:xfrm>
+                  <a:prstGeom prst="rect">
+                    <a:avLst/>
+                  </a:prstGeom>
+                  <a:noFill/>
+                </p:spPr>
+                <p:txBody>
+                  <a:bodyPr wrap="none" rtlCol="0">
+                    <a:spAutoFit/>
+                  </a:bodyPr>
+                  <a:lstStyle/>
+                  <a:p>
+                    <a:r>
+                      <a:rPr lang="en-US" dirty="0"/>
+                      <a:t>666</a:t>
+                    </a:r>
+                    <a:endParaRPr lang="en-CA" dirty="0"/>
+                  </a:p>
+                </p:txBody>
+              </p:sp>
+            </p:grpSp>
+            <p:grpSp>
+              <p:nvGrpSpPr>
+                <p:cNvPr id="45" name="Group 44">
+                  <a:extLst>
+                    <a:ext uri="{FF2B5EF4-FFF2-40B4-BE49-F238E27FC236}">
+                      <a16:creationId xmlns:a16="http://schemas.microsoft.com/office/drawing/2014/main" id="{24A3DD71-3D4C-90E1-A7B6-3FFAF41C6EB9}"/>
+                    </a:ext>
+                  </a:extLst>
+                </p:cNvPr>
+                <p:cNvGrpSpPr/>
+                <p:nvPr/>
+              </p:nvGrpSpPr>
+              <p:grpSpPr>
+                <a:xfrm>
+                  <a:off x="3726180" y="9756775"/>
+                  <a:ext cx="1988820" cy="449580"/>
+                  <a:chOff x="3726180" y="9220200"/>
+                  <a:chExt cx="1988820" cy="449580"/>
+                </a:xfrm>
+              </p:grpSpPr>
+              <p:grpSp>
+                <p:nvGrpSpPr>
+                  <p:cNvPr id="46" name="Group 45">
+                    <a:extLst>
+                      <a:ext uri="{FF2B5EF4-FFF2-40B4-BE49-F238E27FC236}">
+                        <a16:creationId xmlns:a16="http://schemas.microsoft.com/office/drawing/2014/main" id="{1BFA7221-4CC2-C879-B98A-5B5B26A56F2B}"/>
+                      </a:ext>
+                    </a:extLst>
+                  </p:cNvPr>
+                  <p:cNvGrpSpPr/>
+                  <p:nvPr/>
+                </p:nvGrpSpPr>
+                <p:grpSpPr>
+                  <a:xfrm>
+                    <a:off x="3726180" y="9220200"/>
+                    <a:ext cx="1988820" cy="449580"/>
+                    <a:chOff x="3726180" y="9220200"/>
+                    <a:chExt cx="1988820" cy="449580"/>
+                  </a:xfrm>
+                </p:grpSpPr>
+                <p:sp>
+                  <p:nvSpPr>
+                    <p:cNvPr id="48" name="TextBox 47">
+                      <a:extLst>
+                        <a:ext uri="{FF2B5EF4-FFF2-40B4-BE49-F238E27FC236}">
+                          <a16:creationId xmlns:a16="http://schemas.microsoft.com/office/drawing/2014/main" id="{38EEFF33-B3C2-67A9-C600-B3CF92847391}"/>
+                        </a:ext>
+                      </a:extLst>
+                    </p:cNvPr>
+                    <p:cNvSpPr txBox="1"/>
+                    <p:nvPr/>
+                  </p:nvSpPr>
+                  <p:spPr>
+                    <a:xfrm>
+                      <a:off x="3726180" y="9265920"/>
+                      <a:ext cx="838691" cy="369332"/>
+                    </a:xfrm>
+                    <a:prstGeom prst="rect">
+                      <a:avLst/>
+                    </a:prstGeom>
+                    <a:noFill/>
+                  </p:spPr>
+                  <p:txBody>
+                    <a:bodyPr wrap="none" rtlCol="0">
+                      <a:spAutoFit/>
+                    </a:bodyPr>
+                    <a:lstStyle/>
+                    <a:p>
+                      <a:r>
+                        <a:rPr lang="en-US" dirty="0" err="1"/>
+                        <a:t>imagM</a:t>
+                      </a:r>
+                      <a:endParaRPr lang="en-CA" dirty="0"/>
+                    </a:p>
+                  </p:txBody>
+                </p:sp>
+                <p:sp>
+                  <p:nvSpPr>
+                    <p:cNvPr id="49" name="Rectangle 48">
+                      <a:extLst>
+                        <a:ext uri="{FF2B5EF4-FFF2-40B4-BE49-F238E27FC236}">
+                          <a16:creationId xmlns:a16="http://schemas.microsoft.com/office/drawing/2014/main" id="{8A48AB3C-31ED-AFED-196D-F10C6C46464F}"/>
+                        </a:ext>
+                      </a:extLst>
+                    </p:cNvPr>
+                    <p:cNvSpPr/>
+                    <p:nvPr/>
+                  </p:nvSpPr>
+                  <p:spPr>
+                    <a:xfrm>
+                      <a:off x="4518660" y="9220200"/>
+                      <a:ext cx="1196340" cy="449580"/>
+                    </a:xfrm>
+                    <a:prstGeom prst="rect">
+                      <a:avLst/>
+                    </a:prstGeom>
+                    <a:noFill/>
+                  </p:spPr>
+                  <p:style>
+                    <a:lnRef idx="2">
+                      <a:schemeClr val="accent1">
+                        <a:shade val="15000"/>
+                      </a:schemeClr>
+                    </a:lnRef>
+                    <a:fillRef idx="1">
+                      <a:schemeClr val="accent1"/>
+                    </a:fillRef>
+                    <a:effectRef idx="0">
+                      <a:schemeClr val="accent1"/>
+                    </a:effectRef>
+                    <a:fontRef idx="minor">
+                      <a:schemeClr val="lt1"/>
+                    </a:fontRef>
+                  </p:style>
+                  <p:txBody>
+                    <a:bodyPr rtlCol="0" anchor="ctr"/>
+                    <a:lstStyle/>
+                    <a:p>
+                      <a:pPr algn="ctr"/>
+                      <a:endParaRPr lang="en-CA"/>
+                    </a:p>
+                  </p:txBody>
+                </p:sp>
+              </p:grpSp>
+              <p:sp>
+                <p:nvSpPr>
+                  <p:cNvPr id="47" name="TextBox 46">
+                    <a:extLst>
+                      <a:ext uri="{FF2B5EF4-FFF2-40B4-BE49-F238E27FC236}">
+                        <a16:creationId xmlns:a16="http://schemas.microsoft.com/office/drawing/2014/main" id="{BA578D2A-6C03-5626-B39C-F6D83735EF0B}"/>
+                      </a:ext>
+                    </a:extLst>
+                  </p:cNvPr>
+                  <p:cNvSpPr txBox="1"/>
+                  <p:nvPr/>
+                </p:nvSpPr>
+                <p:spPr>
+                  <a:xfrm>
+                    <a:off x="4956175" y="9242425"/>
+                    <a:ext cx="301686" cy="369332"/>
+                  </a:xfrm>
+                  <a:prstGeom prst="rect">
+                    <a:avLst/>
+                  </a:prstGeom>
+                  <a:noFill/>
+                </p:spPr>
+                <p:txBody>
+                  <a:bodyPr wrap="none" rtlCol="0">
+                    <a:spAutoFit/>
+                  </a:bodyPr>
+                  <a:lstStyle/>
+                  <a:p>
+                    <a:r>
+                      <a:rPr lang="en-US" dirty="0"/>
+                      <a:t>0</a:t>
+                    </a:r>
+                    <a:endParaRPr lang="en-CA" dirty="0"/>
+                  </a:p>
+                </p:txBody>
+              </p:sp>
+            </p:grpSp>
+          </p:grpSp>
+        </p:grpSp>
+      </p:grpSp>
+      <p:grpSp>
+        <p:nvGrpSpPr>
+          <p:cNvPr id="80" name="Group 79">
+            <a:extLst>
+              <a:ext uri="{FF2B5EF4-FFF2-40B4-BE49-F238E27FC236}">
+                <a16:creationId xmlns:a16="http://schemas.microsoft.com/office/drawing/2014/main" id="{5B2AFA6E-F67C-56C0-E691-8AC38009A279}"/>
+              </a:ext>
+            </a:extLst>
+          </p:cNvPr>
+          <p:cNvGrpSpPr/>
+          <p:nvPr/>
+        </p:nvGrpSpPr>
+        <p:grpSpPr>
+          <a:xfrm>
+            <a:off x="1098636" y="6181342"/>
+            <a:ext cx="5110366" cy="2041108"/>
+            <a:chOff x="1180278" y="6664849"/>
+            <a:chExt cx="5110366" cy="2041108"/>
+          </a:xfrm>
+        </p:grpSpPr>
+        <p:grpSp>
+          <p:nvGrpSpPr>
+            <p:cNvPr id="51" name="Group 50">
+              <a:extLst>
+                <a:ext uri="{FF2B5EF4-FFF2-40B4-BE49-F238E27FC236}">
+                  <a16:creationId xmlns:a16="http://schemas.microsoft.com/office/drawing/2014/main" id="{4CF7B35C-1CBE-EFF9-1AFB-07CB63293495}"/>
+                </a:ext>
+              </a:extLst>
+            </p:cNvPr>
+            <p:cNvGrpSpPr/>
+            <p:nvPr/>
+          </p:nvGrpSpPr>
+          <p:grpSpPr>
+            <a:xfrm>
+              <a:off x="1180278" y="6664849"/>
+              <a:ext cx="5110366" cy="2041108"/>
+              <a:chOff x="1189803" y="12084574"/>
+              <a:chExt cx="5110366" cy="2041108"/>
+            </a:xfrm>
+          </p:grpSpPr>
+          <p:sp>
+            <p:nvSpPr>
+              <p:cNvPr id="52" name="TextBox 51">
+                <a:extLst>
+                  <a:ext uri="{FF2B5EF4-FFF2-40B4-BE49-F238E27FC236}">
+                    <a16:creationId xmlns:a16="http://schemas.microsoft.com/office/drawing/2014/main" id="{38A27BE1-C433-3EC8-AD02-7ACEEA2AFA3A}"/>
+                  </a:ext>
+                </a:extLst>
+              </p:cNvPr>
+              <p:cNvSpPr txBox="1">
+                <a:spLocks/>
+              </p:cNvSpPr>
+              <p:nvPr/>
+            </p:nvSpPr>
+            <p:spPr>
+              <a:xfrm>
+                <a:off x="1189803" y="12084574"/>
+                <a:ext cx="1575175" cy="369332"/>
+              </a:xfrm>
+              <a:prstGeom prst="rect">
+                <a:avLst/>
+              </a:prstGeom>
+              <a:noFill/>
+            </p:spPr>
+            <p:txBody>
+              <a:bodyPr wrap="none" rtlCol="0">
+                <a:spAutoFit/>
+              </a:bodyPr>
+              <a:lstStyle/>
+              <a:p>
+                <a:r>
+                  <a:rPr lang="en-US" dirty="0"/>
+                  <a:t>AR </a:t>
+                </a:r>
+                <a:r>
+                  <a:rPr lang="en-US" dirty="0" err="1"/>
+                  <a:t>getRealPart</a:t>
+                </a:r>
+                <a:endParaRPr lang="en-CA" dirty="0"/>
+              </a:p>
+            </p:txBody>
+          </p:sp>
+          <p:grpSp>
+            <p:nvGrpSpPr>
+              <p:cNvPr id="53" name="Group 52">
+                <a:extLst>
+                  <a:ext uri="{FF2B5EF4-FFF2-40B4-BE49-F238E27FC236}">
+                    <a16:creationId xmlns:a16="http://schemas.microsoft.com/office/drawing/2014/main" id="{78828CDF-D2ED-82A1-1BDD-8B1290D384A2}"/>
+                  </a:ext>
+                </a:extLst>
+              </p:cNvPr>
+              <p:cNvGrpSpPr/>
+              <p:nvPr/>
+            </p:nvGrpSpPr>
+            <p:grpSpPr>
+              <a:xfrm>
+                <a:off x="2736549" y="12592053"/>
+                <a:ext cx="3563620" cy="1533629"/>
+                <a:chOff x="2332689" y="11294078"/>
+                <a:chExt cx="3563620" cy="690383"/>
+              </a:xfrm>
+            </p:grpSpPr>
+            <p:sp>
+              <p:nvSpPr>
+                <p:cNvPr id="54" name="TextBox 53">
+                  <a:extLst>
+                    <a:ext uri="{FF2B5EF4-FFF2-40B4-BE49-F238E27FC236}">
+                      <a16:creationId xmlns:a16="http://schemas.microsoft.com/office/drawing/2014/main" id="{AFFC1990-C61E-4004-59D1-9B893E092322}"/>
+                    </a:ext>
+                  </a:extLst>
+                </p:cNvPr>
+                <p:cNvSpPr txBox="1"/>
+                <p:nvPr/>
+              </p:nvSpPr>
+              <p:spPr>
+                <a:xfrm>
+                  <a:off x="2345389" y="11368002"/>
+                  <a:ext cx="3550920" cy="166260"/>
+                </a:xfrm>
+                <a:prstGeom prst="rect">
+                  <a:avLst/>
+                </a:prstGeom>
+                <a:noFill/>
+              </p:spPr>
+              <p:txBody>
+                <a:bodyPr wrap="square" rtlCol="0" anchor="ctr">
+                  <a:spAutoFit/>
+                </a:bodyPr>
+                <a:lstStyle/>
+                <a:p>
+                  <a:pPr algn="ctr"/>
+                  <a:r>
+                    <a:rPr lang="en-US" dirty="0"/>
+                    <a:t>No local variables</a:t>
+                  </a:r>
+                  <a:endParaRPr lang="en-CA" dirty="0"/>
+                </a:p>
+              </p:txBody>
+            </p:sp>
+            <p:grpSp>
+              <p:nvGrpSpPr>
+                <p:cNvPr id="55" name="Group 54">
+                  <a:extLst>
+                    <a:ext uri="{FF2B5EF4-FFF2-40B4-BE49-F238E27FC236}">
+                      <a16:creationId xmlns:a16="http://schemas.microsoft.com/office/drawing/2014/main" id="{4B74C658-2D3D-7E7C-57AA-048322BB3781}"/>
+                    </a:ext>
+                  </a:extLst>
+                </p:cNvPr>
+                <p:cNvGrpSpPr/>
+                <p:nvPr/>
+              </p:nvGrpSpPr>
+              <p:grpSpPr>
+                <a:xfrm>
+                  <a:off x="2332689" y="11294078"/>
+                  <a:ext cx="3559677" cy="690383"/>
+                  <a:chOff x="2332689" y="11294078"/>
+                  <a:chExt cx="3559677" cy="690383"/>
+                </a:xfrm>
+              </p:grpSpPr>
+              <p:cxnSp>
+                <p:nvCxnSpPr>
+                  <p:cNvPr id="56" name="Straight Connector 55">
+                    <a:extLst>
+                      <a:ext uri="{FF2B5EF4-FFF2-40B4-BE49-F238E27FC236}">
+                        <a16:creationId xmlns:a16="http://schemas.microsoft.com/office/drawing/2014/main" id="{12D956AD-E465-761A-A717-1109E9144E66}"/>
+                      </a:ext>
+                    </a:extLst>
+                  </p:cNvPr>
+                  <p:cNvCxnSpPr>
+                    <a:cxnSpLocks/>
+                  </p:cNvCxnSpPr>
+                  <p:nvPr/>
+                </p:nvCxnSpPr>
+                <p:spPr>
+                  <a:xfrm>
+                    <a:off x="2332689" y="11575298"/>
+                    <a:ext cx="3550920" cy="0"/>
+                  </a:xfrm>
+                  <a:prstGeom prst="line">
+                    <a:avLst/>
+                  </a:prstGeom>
+                </p:spPr>
+                <p:style>
+                  <a:lnRef idx="1">
+                    <a:schemeClr val="dk1"/>
+                  </a:lnRef>
+                  <a:fillRef idx="0">
+                    <a:schemeClr val="dk1"/>
+                  </a:fillRef>
+                  <a:effectRef idx="0">
+                    <a:schemeClr val="dk1"/>
+                  </a:effectRef>
+                  <a:fontRef idx="minor">
+                    <a:schemeClr val="tx1"/>
+                  </a:fontRef>
+                </p:style>
+              </p:cxnSp>
+              <p:sp>
+                <p:nvSpPr>
+                  <p:cNvPr id="57" name="Rectangle 56">
+                    <a:extLst>
+                      <a:ext uri="{FF2B5EF4-FFF2-40B4-BE49-F238E27FC236}">
+                        <a16:creationId xmlns:a16="http://schemas.microsoft.com/office/drawing/2014/main" id="{17ABD746-B5FB-5CA1-22F5-A4CA1880543A}"/>
+                      </a:ext>
+                    </a:extLst>
+                  </p:cNvPr>
+                  <p:cNvSpPr>
+                    <a:spLocks/>
+                  </p:cNvSpPr>
+                  <p:nvPr/>
+                </p:nvSpPr>
+                <p:spPr>
+                  <a:xfrm>
+                    <a:off x="2339040" y="11294078"/>
+                    <a:ext cx="3553326" cy="690383"/>
+                  </a:xfrm>
+                  <a:prstGeom prst="rect">
+                    <a:avLst/>
+                  </a:prstGeom>
+                  <a:noFill/>
+                  <a:ln>
+                    <a:solidFill>
+                      <a:schemeClr val="tx1"/>
+                    </a:solidFill>
+                  </a:ln>
+                </p:spPr>
+                <p:style>
+                  <a:lnRef idx="2">
+                    <a:schemeClr val="accent1">
+                      <a:shade val="15000"/>
+                    </a:schemeClr>
+                  </a:lnRef>
+                  <a:fillRef idx="1">
+                    <a:schemeClr val="accent1"/>
+                  </a:fillRef>
+                  <a:effectRef idx="0">
+                    <a:schemeClr val="accent1"/>
+                  </a:effectRef>
+                  <a:fontRef idx="minor">
+                    <a:schemeClr val="lt1"/>
+                  </a:fontRef>
+                </p:style>
+                <p:txBody>
+                  <a:bodyPr rtlCol="0" anchor="ctr"/>
+                  <a:lstStyle/>
+                  <a:p>
+                    <a:pPr algn="ctr"/>
+                    <a:endParaRPr lang="en-CA"/>
+                  </a:p>
+                </p:txBody>
+              </p:sp>
+            </p:grpSp>
+          </p:grpSp>
+        </p:grpSp>
+        <p:grpSp>
+          <p:nvGrpSpPr>
+            <p:cNvPr id="74" name="Group 73">
+              <a:extLst>
+                <a:ext uri="{FF2B5EF4-FFF2-40B4-BE49-F238E27FC236}">
+                  <a16:creationId xmlns:a16="http://schemas.microsoft.com/office/drawing/2014/main" id="{8C68C7DC-0AF0-6E55-3CF2-54D51B1392AC}"/>
+                </a:ext>
+              </a:extLst>
+            </p:cNvPr>
+            <p:cNvGrpSpPr/>
+            <p:nvPr/>
+          </p:nvGrpSpPr>
+          <p:grpSpPr>
+            <a:xfrm>
+              <a:off x="3395980" y="8001000"/>
+              <a:ext cx="1988820" cy="449580"/>
+              <a:chOff x="3726180" y="9220200"/>
+              <a:chExt cx="1988820" cy="449580"/>
+            </a:xfrm>
+          </p:grpSpPr>
+          <p:sp>
+            <p:nvSpPr>
+              <p:cNvPr id="76" name="TextBox 75">
+                <a:extLst>
+                  <a:ext uri="{FF2B5EF4-FFF2-40B4-BE49-F238E27FC236}">
+                    <a16:creationId xmlns:a16="http://schemas.microsoft.com/office/drawing/2014/main" id="{270AAFD7-1BC8-9F97-0A09-5C37D7AA2E3D}"/>
+                  </a:ext>
+                </a:extLst>
+              </p:cNvPr>
+              <p:cNvSpPr txBox="1"/>
+              <p:nvPr/>
+            </p:nvSpPr>
+            <p:spPr>
+              <a:xfrm>
+                <a:off x="3726180" y="9265920"/>
+                <a:ext cx="526106" cy="369332"/>
+              </a:xfrm>
+              <a:prstGeom prst="rect">
+                <a:avLst/>
+              </a:prstGeom>
+              <a:noFill/>
+            </p:spPr>
+            <p:txBody>
+              <a:bodyPr wrap="none" rtlCol="0">
+                <a:spAutoFit/>
+              </a:bodyPr>
+              <a:lstStyle/>
+              <a:p>
+                <a:r>
+                  <a:rPr lang="en-US" dirty="0"/>
+                  <a:t>this</a:t>
+                </a:r>
+                <a:endParaRPr lang="en-CA" dirty="0"/>
+              </a:p>
+            </p:txBody>
+          </p:sp>
+          <p:sp>
+            <p:nvSpPr>
+              <p:cNvPr id="77" name="Rectangle 76">
+                <a:extLst>
+                  <a:ext uri="{FF2B5EF4-FFF2-40B4-BE49-F238E27FC236}">
+                    <a16:creationId xmlns:a16="http://schemas.microsoft.com/office/drawing/2014/main" id="{F429D7D9-9C3A-D2A8-21D5-65DA7E2F5717}"/>
+                  </a:ext>
+                </a:extLst>
+              </p:cNvPr>
+              <p:cNvSpPr/>
+              <p:nvPr/>
+            </p:nvSpPr>
+            <p:spPr>
+              <a:xfrm>
+                <a:off x="4518660" y="9220200"/>
+                <a:ext cx="1196340" cy="449580"/>
+              </a:xfrm>
+              <a:prstGeom prst="rect">
+                <a:avLst/>
+              </a:prstGeom>
+              <a:noFill/>
+            </p:spPr>
+            <p:style>
+              <a:lnRef idx="2">
+                <a:schemeClr val="accent1">
+                  <a:shade val="15000"/>
+                </a:schemeClr>
+              </a:lnRef>
+              <a:fillRef idx="1">
+                <a:schemeClr val="accent1"/>
+              </a:fillRef>
+              <a:effectRef idx="0">
+                <a:schemeClr val="accent1"/>
+              </a:effectRef>
+              <a:fontRef idx="minor">
+                <a:schemeClr val="lt1"/>
+              </a:fontRef>
+            </p:style>
+            <p:txBody>
+              <a:bodyPr rtlCol="0" anchor="ctr"/>
+              <a:lstStyle/>
+              <a:p>
+                <a:pPr algn="ctr"/>
+                <a:endParaRPr lang="en-CA"/>
+              </a:p>
+            </p:txBody>
+          </p:sp>
+        </p:grpSp>
+      </p:grpSp>
+      <p:cxnSp>
+        <p:nvCxnSpPr>
+          <p:cNvPr id="15" name="Straight Arrow Connector 14">
+            <a:extLst>
+              <a:ext uri="{FF2B5EF4-FFF2-40B4-BE49-F238E27FC236}">
+                <a16:creationId xmlns:a16="http://schemas.microsoft.com/office/drawing/2014/main" id="{9879DA55-38F0-A2AD-A8F5-793FBE95DBCC}"/>
+              </a:ext>
+            </a:extLst>
+          </p:cNvPr>
+          <p:cNvCxnSpPr>
+            <a:stCxn id="77" idx="2"/>
+            <a:endCxn id="14" idx="0"/>
+          </p:cNvCxnSpPr>
+          <p:nvPr/>
+        </p:nvCxnSpPr>
+        <p:spPr>
+          <a:xfrm>
+            <a:off x="4704988" y="7967073"/>
+            <a:ext cx="141332" cy="1557927"/>
+          </a:xfrm>
+          <a:prstGeom prst="straightConnector1">
+            <a:avLst/>
+          </a:prstGeom>
+          <a:ln w="25400">
+            <a:solidFill>
+              <a:schemeClr val="tx1"/>
+            </a:solidFill>
+            <a:tailEnd type="triangle"/>
+          </a:ln>
+        </p:spPr>
+        <p:style>
+          <a:lnRef idx="1">
+            <a:schemeClr val="accent1"/>
+          </a:lnRef>
+          <a:fillRef idx="0">
+            <a:schemeClr val="accent1"/>
+          </a:fillRef>
+          <a:effectRef idx="0">
+            <a:schemeClr val="accent1"/>
+          </a:effectRef>
+          <a:fontRef idx="minor">
+            <a:schemeClr val="tx1"/>
+          </a:fontRef>
+        </p:style>
+      </p:cxnSp>
+    </p:spTree>
+    <p:extLst>
+      <p:ext uri="{BB962C8B-B14F-4D97-AF65-F5344CB8AC3E}">
+        <p14:creationId xmlns:p14="http://schemas.microsoft.com/office/powerpoint/2010/main" val="4101180352"/>
+      </p:ext>
+    </p:extLst>
+  </p:cSld>
+  <p:clrMapOvr>
+    <a:masterClrMapping/>
+  </p:clrMapOvr>
+</p:sld>
+</file>
+
+<file path=ppt/slides/slide5.xml><?xml version="1.0" encoding="utf-8"?>
+<p:sld xmlns:a="http://schemas.openxmlformats.org/drawingml/2006/main" xmlns:r="http://schemas.openxmlformats.org/officeDocument/2006/relationships" xmlns:p="http://schemas.openxmlformats.org/presentationml/2006/main">
+  <p:cSld>
+    <p:spTree>
+      <p:nvGrpSpPr>
+        <p:cNvPr id="1" name=""/>
+        <p:cNvGrpSpPr/>
+        <p:nvPr/>
+      </p:nvGrpSpPr>
+      <p:grpSpPr>
+        <a:xfrm>
+          <a:off x="0" y="0"/>
+          <a:ext cx="0" cy="0"/>
+          <a:chOff x="0" y="0"/>
+          <a:chExt cx="0" cy="0"/>
+        </a:xfrm>
+      </p:grpSpPr>
+      <p:sp>
+        <p:nvSpPr>
+          <p:cNvPr id="3" name="TextBox 2">
+            <a:extLst>
+              <a:ext uri="{FF2B5EF4-FFF2-40B4-BE49-F238E27FC236}">
+                <a16:creationId xmlns:a16="http://schemas.microsoft.com/office/drawing/2014/main" id="{3ADCEB22-761A-1882-E9D1-306234468128}"/>
+              </a:ext>
+            </a:extLst>
+          </p:cNvPr>
+          <p:cNvSpPr txBox="1"/>
+          <p:nvPr/>
+        </p:nvSpPr>
+        <p:spPr>
+          <a:xfrm>
+            <a:off x="9500102" y="5971782"/>
+            <a:ext cx="1843582" cy="369332"/>
+          </a:xfrm>
+          <a:prstGeom prst="rect">
+            <a:avLst/>
+          </a:prstGeom>
+          <a:noFill/>
+        </p:spPr>
+        <p:txBody>
+          <a:bodyPr wrap="none" rtlCol="0">
+            <a:spAutoFit/>
+          </a:bodyPr>
+          <a:lstStyle/>
+          <a:p>
+            <a:r>
+              <a:rPr lang="en-US" b="1" u="sng" dirty="0"/>
+              <a:t>Exercise 2 Point 3</a:t>
+            </a:r>
+            <a:endParaRPr lang="en-CA" b="1" u="sng" dirty="0"/>
+          </a:p>
+        </p:txBody>
+      </p:sp>
+      <p:grpSp>
+        <p:nvGrpSpPr>
+          <p:cNvPr id="50" name="Group 49">
+            <a:extLst>
+              <a:ext uri="{FF2B5EF4-FFF2-40B4-BE49-F238E27FC236}">
+                <a16:creationId xmlns:a16="http://schemas.microsoft.com/office/drawing/2014/main" id="{A9C2C6BC-3594-B83B-2BDB-34C2DE0D5D63}"/>
+              </a:ext>
+            </a:extLst>
+          </p:cNvPr>
+          <p:cNvGrpSpPr/>
+          <p:nvPr/>
+        </p:nvGrpSpPr>
+        <p:grpSpPr>
+          <a:xfrm>
+            <a:off x="1767653" y="7886700"/>
+            <a:ext cx="4526166" cy="3933926"/>
+            <a:chOff x="1786703" y="10191750"/>
+            <a:chExt cx="4526166" cy="3933926"/>
+          </a:xfrm>
+        </p:grpSpPr>
+        <p:sp>
+          <p:nvSpPr>
+            <p:cNvPr id="13" name="TextBox 12">
+              <a:extLst>
+                <a:ext uri="{FF2B5EF4-FFF2-40B4-BE49-F238E27FC236}">
+                  <a16:creationId xmlns:a16="http://schemas.microsoft.com/office/drawing/2014/main" id="{2BEB660A-F17F-EBD5-09C5-DB7ABA245FA4}"/>
+                </a:ext>
+              </a:extLst>
+            </p:cNvPr>
+            <p:cNvSpPr txBox="1">
+              <a:spLocks/>
+            </p:cNvSpPr>
+            <p:nvPr/>
+          </p:nvSpPr>
+          <p:spPr>
+            <a:xfrm>
+              <a:off x="1786703" y="12078224"/>
+              <a:ext cx="965329" cy="369332"/>
+            </a:xfrm>
+            <a:prstGeom prst="rect">
+              <a:avLst/>
+            </a:prstGeom>
+            <a:noFill/>
+          </p:spPr>
+          <p:txBody>
+            <a:bodyPr wrap="none" rtlCol="0">
+              <a:spAutoFit/>
+            </a:bodyPr>
+            <a:lstStyle/>
+            <a:p>
+              <a:r>
+                <a:rPr lang="en-US" dirty="0"/>
+                <a:t>AR main</a:t>
+              </a:r>
+              <a:endParaRPr lang="en-CA" dirty="0"/>
+            </a:p>
+          </p:txBody>
+        </p:sp>
+        <p:grpSp>
+          <p:nvGrpSpPr>
+            <p:cNvPr id="9" name="Group 8">
+              <a:extLst>
+                <a:ext uri="{FF2B5EF4-FFF2-40B4-BE49-F238E27FC236}">
+                  <a16:creationId xmlns:a16="http://schemas.microsoft.com/office/drawing/2014/main" id="{0C726B84-D314-FFE5-89DD-8A8BBFCB0E4C}"/>
+                </a:ext>
+              </a:extLst>
+            </p:cNvPr>
+            <p:cNvGrpSpPr/>
+            <p:nvPr/>
+          </p:nvGrpSpPr>
+          <p:grpSpPr>
+            <a:xfrm>
+              <a:off x="2742900" y="10191750"/>
+              <a:ext cx="3569969" cy="3933926"/>
+              <a:chOff x="2339040" y="10213551"/>
+              <a:chExt cx="3569969" cy="1770908"/>
+            </a:xfrm>
+          </p:grpSpPr>
+          <p:sp>
+            <p:nvSpPr>
+              <p:cNvPr id="12" name="TextBox 11">
+                <a:extLst>
+                  <a:ext uri="{FF2B5EF4-FFF2-40B4-BE49-F238E27FC236}">
+                    <a16:creationId xmlns:a16="http://schemas.microsoft.com/office/drawing/2014/main" id="{0B433080-284D-7D97-2992-FE77EE257555}"/>
+                  </a:ext>
+                </a:extLst>
+              </p:cNvPr>
+              <p:cNvSpPr txBox="1"/>
+              <p:nvPr/>
+            </p:nvSpPr>
+            <p:spPr>
+              <a:xfrm>
+                <a:off x="2345389" y="11751046"/>
+                <a:ext cx="3550920" cy="166260"/>
+              </a:xfrm>
+              <a:prstGeom prst="rect">
+                <a:avLst/>
+              </a:prstGeom>
+              <a:noFill/>
+            </p:spPr>
+            <p:txBody>
+              <a:bodyPr wrap="square" rtlCol="0" anchor="ctr">
+                <a:spAutoFit/>
+              </a:bodyPr>
+              <a:lstStyle/>
+              <a:p>
+                <a:pPr algn="ctr"/>
+                <a:r>
+                  <a:rPr lang="en-US" dirty="0"/>
+                  <a:t>No arguments</a:t>
+                </a:r>
+                <a:endParaRPr lang="en-CA" dirty="0"/>
+              </a:p>
+            </p:txBody>
+          </p:sp>
+          <p:grpSp>
+            <p:nvGrpSpPr>
+              <p:cNvPr id="7" name="Group 6">
+                <a:extLst>
+                  <a:ext uri="{FF2B5EF4-FFF2-40B4-BE49-F238E27FC236}">
+                    <a16:creationId xmlns:a16="http://schemas.microsoft.com/office/drawing/2014/main" id="{A3543ED9-70AB-D5F8-6813-4307B1B94B25}"/>
+                  </a:ext>
+                </a:extLst>
+              </p:cNvPr>
+              <p:cNvGrpSpPr/>
+              <p:nvPr/>
+            </p:nvGrpSpPr>
+            <p:grpSpPr>
+              <a:xfrm>
+                <a:off x="2339040" y="10213551"/>
+                <a:ext cx="3569969" cy="1770908"/>
+                <a:chOff x="2339040" y="10213551"/>
+                <a:chExt cx="3569969" cy="1770908"/>
+              </a:xfrm>
+            </p:grpSpPr>
+            <p:cxnSp>
+              <p:nvCxnSpPr>
+                <p:cNvPr id="11" name="Straight Connector 10">
+                  <a:extLst>
+                    <a:ext uri="{FF2B5EF4-FFF2-40B4-BE49-F238E27FC236}">
+                      <a16:creationId xmlns:a16="http://schemas.microsoft.com/office/drawing/2014/main" id="{864EEF87-5E24-8D86-29AE-FBEDA76B19C1}"/>
+                    </a:ext>
+                  </a:extLst>
+                </p:cNvPr>
+                <p:cNvCxnSpPr>
+                  <a:cxnSpLocks/>
+                </p:cNvCxnSpPr>
+                <p:nvPr/>
+              </p:nvCxnSpPr>
+              <p:spPr>
+                <a:xfrm>
+                  <a:off x="2358089" y="11703933"/>
+                  <a:ext cx="3550920" cy="0"/>
+                </a:xfrm>
+                <a:prstGeom prst="line">
+                  <a:avLst/>
+                </a:prstGeom>
+              </p:spPr>
+              <p:style>
+                <a:lnRef idx="1">
+                  <a:schemeClr val="dk1"/>
+                </a:lnRef>
+                <a:fillRef idx="0">
+                  <a:schemeClr val="dk1"/>
+                </a:fillRef>
+                <a:effectRef idx="0">
+                  <a:schemeClr val="dk1"/>
+                </a:effectRef>
+                <a:fontRef idx="minor">
+                  <a:schemeClr val="tx1"/>
+                </a:fontRef>
+              </p:style>
+            </p:cxnSp>
+            <p:sp>
+              <p:nvSpPr>
+                <p:cNvPr id="10" name="Rectangle 9">
+                  <a:extLst>
+                    <a:ext uri="{FF2B5EF4-FFF2-40B4-BE49-F238E27FC236}">
+                      <a16:creationId xmlns:a16="http://schemas.microsoft.com/office/drawing/2014/main" id="{9C9B4144-BA02-7272-481D-121FB6A4802E}"/>
+                    </a:ext>
+                  </a:extLst>
+                </p:cNvPr>
+                <p:cNvSpPr>
+                  <a:spLocks/>
+                </p:cNvSpPr>
+                <p:nvPr/>
+              </p:nvSpPr>
+              <p:spPr>
+                <a:xfrm>
+                  <a:off x="2339040" y="10213551"/>
+                  <a:ext cx="3553326" cy="1770908"/>
+                </a:xfrm>
+                <a:prstGeom prst="rect">
+                  <a:avLst/>
+                </a:prstGeom>
+                <a:noFill/>
+                <a:ln>
+                  <a:solidFill>
+                    <a:schemeClr val="tx1"/>
+                  </a:solidFill>
+                </a:ln>
+              </p:spPr>
+              <p:style>
+                <a:lnRef idx="2">
+                  <a:schemeClr val="accent1">
+                    <a:shade val="15000"/>
+                  </a:schemeClr>
+                </a:lnRef>
+                <a:fillRef idx="1">
+                  <a:schemeClr val="accent1"/>
+                </a:fillRef>
+                <a:effectRef idx="0">
+                  <a:schemeClr val="accent1"/>
+                </a:effectRef>
+                <a:fontRef idx="minor">
+                  <a:schemeClr val="lt1"/>
+                </a:fontRef>
+              </p:style>
+              <p:txBody>
+                <a:bodyPr rtlCol="0" anchor="ctr"/>
+                <a:lstStyle/>
+                <a:p>
+                  <a:pPr algn="ctr"/>
+                  <a:endParaRPr lang="en-CA"/>
+                </a:p>
+              </p:txBody>
+            </p:sp>
+          </p:grpSp>
+        </p:grpSp>
+      </p:grpSp>
+      <p:grpSp>
+        <p:nvGrpSpPr>
+          <p:cNvPr id="5" name="Group 4">
+            <a:extLst>
+              <a:ext uri="{FF2B5EF4-FFF2-40B4-BE49-F238E27FC236}">
+                <a16:creationId xmlns:a16="http://schemas.microsoft.com/office/drawing/2014/main" id="{229B29AE-8806-D60F-2FFB-D589A77E9086}"/>
+              </a:ext>
+            </a:extLst>
+          </p:cNvPr>
+          <p:cNvGrpSpPr/>
+          <p:nvPr/>
+        </p:nvGrpSpPr>
+        <p:grpSpPr>
+          <a:xfrm>
+            <a:off x="2753261" y="5083810"/>
+            <a:ext cx="3234789" cy="4225290"/>
+            <a:chOff x="2785011" y="6061710"/>
+            <a:chExt cx="3234789" cy="4225290"/>
+          </a:xfrm>
+        </p:grpSpPr>
+        <p:sp>
+          <p:nvSpPr>
+            <p:cNvPr id="104" name="TextBox 103">
+              <a:extLst>
+                <a:ext uri="{FF2B5EF4-FFF2-40B4-BE49-F238E27FC236}">
+                  <a16:creationId xmlns:a16="http://schemas.microsoft.com/office/drawing/2014/main" id="{DAB27740-4A5A-FE22-9593-CAD7FA8B1824}"/>
+                </a:ext>
+              </a:extLst>
+            </p:cNvPr>
+            <p:cNvSpPr txBox="1">
+              <a:spLocks/>
+            </p:cNvSpPr>
+            <p:nvPr/>
+          </p:nvSpPr>
+          <p:spPr>
+            <a:xfrm>
+              <a:off x="2785011" y="9158401"/>
+              <a:ext cx="773529" cy="369332"/>
+            </a:xfrm>
+            <a:prstGeom prst="rect">
+              <a:avLst/>
+            </a:prstGeom>
+            <a:noFill/>
+          </p:spPr>
+          <p:txBody>
+            <a:bodyPr wrap="square" rtlCol="0">
+              <a:spAutoFit/>
+            </a:bodyPr>
+            <a:lstStyle/>
+            <a:p>
+              <a:pPr algn="ctr"/>
+              <a:r>
+                <a:rPr lang="en-US" dirty="0"/>
+                <a:t>num2</a:t>
+              </a:r>
+              <a:endParaRPr lang="en-CA" dirty="0"/>
+            </a:p>
+          </p:txBody>
+        </p:sp>
+        <p:grpSp>
+          <p:nvGrpSpPr>
+            <p:cNvPr id="4" name="Group 3">
+              <a:extLst>
+                <a:ext uri="{FF2B5EF4-FFF2-40B4-BE49-F238E27FC236}">
+                  <a16:creationId xmlns:a16="http://schemas.microsoft.com/office/drawing/2014/main" id="{DE3DCF03-2D1E-A61C-65D6-41B96F479163}"/>
+                </a:ext>
+              </a:extLst>
+            </p:cNvPr>
+            <p:cNvGrpSpPr/>
+            <p:nvPr/>
+          </p:nvGrpSpPr>
+          <p:grpSpPr>
+            <a:xfrm>
+              <a:off x="3634740" y="6061710"/>
+              <a:ext cx="2385060" cy="4225290"/>
+              <a:chOff x="3634740" y="6061710"/>
+              <a:chExt cx="2385060" cy="4225290"/>
+            </a:xfrm>
+          </p:grpSpPr>
+          <p:sp>
+            <p:nvSpPr>
+              <p:cNvPr id="14" name="Rectangle 13">
+                <a:extLst>
+                  <a:ext uri="{FF2B5EF4-FFF2-40B4-BE49-F238E27FC236}">
+                    <a16:creationId xmlns:a16="http://schemas.microsoft.com/office/drawing/2014/main" id="{604EE2BA-A30A-003D-C766-A5D94085618D}"/>
+                  </a:ext>
+                </a:extLst>
+              </p:cNvPr>
+              <p:cNvSpPr/>
+              <p:nvPr/>
+            </p:nvSpPr>
+            <p:spPr>
+              <a:xfrm>
+                <a:off x="3634740" y="9144000"/>
+                <a:ext cx="2385060" cy="1143000"/>
+              </a:xfrm>
+              <a:prstGeom prst="rect">
+                <a:avLst/>
+              </a:prstGeom>
+              <a:noFill/>
+              <a:ln>
+                <a:solidFill>
+                  <a:schemeClr val="tx1"/>
+                </a:solidFill>
+              </a:ln>
+            </p:spPr>
+            <p:style>
+              <a:lnRef idx="2">
+                <a:schemeClr val="accent1">
+                  <a:shade val="15000"/>
+                </a:schemeClr>
+              </a:lnRef>
+              <a:fillRef idx="1">
+                <a:schemeClr val="accent1"/>
+              </a:fillRef>
+              <a:effectRef idx="0">
+                <a:schemeClr val="accent1"/>
+              </a:effectRef>
+              <a:fontRef idx="minor">
+                <a:schemeClr val="lt1"/>
+              </a:fontRef>
+            </p:style>
+            <p:txBody>
+              <a:bodyPr rtlCol="0" anchor="ctr"/>
+              <a:lstStyle/>
+              <a:p>
+                <a:pPr algn="ctr"/>
+                <a:endParaRPr lang="en-CA"/>
+              </a:p>
+            </p:txBody>
+          </p:sp>
+          <p:grpSp>
+            <p:nvGrpSpPr>
+              <p:cNvPr id="2" name="Group 1">
+                <a:extLst>
+                  <a:ext uri="{FF2B5EF4-FFF2-40B4-BE49-F238E27FC236}">
+                    <a16:creationId xmlns:a16="http://schemas.microsoft.com/office/drawing/2014/main" id="{11166C0A-3C8E-D55E-B869-4D9F5D1EDEB2}"/>
+                  </a:ext>
+                </a:extLst>
+              </p:cNvPr>
+              <p:cNvGrpSpPr/>
+              <p:nvPr/>
+            </p:nvGrpSpPr>
+            <p:grpSpPr>
+              <a:xfrm>
+                <a:off x="3726180" y="6061710"/>
+                <a:ext cx="1988820" cy="4144645"/>
+                <a:chOff x="3726180" y="6061710"/>
+                <a:chExt cx="1988820" cy="4144645"/>
+              </a:xfrm>
+            </p:grpSpPr>
+            <p:grpSp>
+              <p:nvGrpSpPr>
+                <p:cNvPr id="44" name="Group 43">
+                  <a:extLst>
+                    <a:ext uri="{FF2B5EF4-FFF2-40B4-BE49-F238E27FC236}">
+                      <a16:creationId xmlns:a16="http://schemas.microsoft.com/office/drawing/2014/main" id="{5AB061C7-EE0F-D5D7-E375-968B4CFB6A43}"/>
+                    </a:ext>
+                  </a:extLst>
+                </p:cNvPr>
+                <p:cNvGrpSpPr/>
+                <p:nvPr/>
+              </p:nvGrpSpPr>
+              <p:grpSpPr>
+                <a:xfrm>
+                  <a:off x="3726180" y="6061710"/>
+                  <a:ext cx="1988820" cy="3608070"/>
+                  <a:chOff x="3726180" y="6061710"/>
+                  <a:chExt cx="1988820" cy="3608070"/>
+                </a:xfrm>
+              </p:grpSpPr>
+              <p:grpSp>
+                <p:nvGrpSpPr>
+                  <p:cNvPr id="26" name="Group 25">
+                    <a:extLst>
+                      <a:ext uri="{FF2B5EF4-FFF2-40B4-BE49-F238E27FC236}">
+                        <a16:creationId xmlns:a16="http://schemas.microsoft.com/office/drawing/2014/main" id="{890CC89B-4F4E-EE6C-EC0A-AA7030E126FD}"/>
+                      </a:ext>
+                    </a:extLst>
+                  </p:cNvPr>
+                  <p:cNvGrpSpPr/>
+                  <p:nvPr/>
+                </p:nvGrpSpPr>
+                <p:grpSpPr>
+                  <a:xfrm>
+                    <a:off x="3726180" y="9220200"/>
+                    <a:ext cx="1988820" cy="449580"/>
+                    <a:chOff x="3726180" y="9220200"/>
+                    <a:chExt cx="1988820" cy="449580"/>
+                  </a:xfrm>
+                </p:grpSpPr>
+                <p:sp>
+                  <p:nvSpPr>
+                    <p:cNvPr id="17" name="TextBox 16">
+                      <a:extLst>
+                        <a:ext uri="{FF2B5EF4-FFF2-40B4-BE49-F238E27FC236}">
+                          <a16:creationId xmlns:a16="http://schemas.microsoft.com/office/drawing/2014/main" id="{59BB5145-D912-3C4B-E9B6-B04D01289CEF}"/>
+                        </a:ext>
+                      </a:extLst>
+                    </p:cNvPr>
+                    <p:cNvSpPr txBox="1"/>
+                    <p:nvPr/>
+                  </p:nvSpPr>
+                  <p:spPr>
+                    <a:xfrm>
+                      <a:off x="3726180" y="9265920"/>
+                      <a:ext cx="737894" cy="369332"/>
+                    </a:xfrm>
+                    <a:prstGeom prst="rect">
+                      <a:avLst/>
+                    </a:prstGeom>
+                    <a:noFill/>
+                  </p:spPr>
+                  <p:txBody>
+                    <a:bodyPr wrap="none" rtlCol="0">
+                      <a:spAutoFit/>
+                    </a:bodyPr>
+                    <a:lstStyle/>
+                    <a:p>
+                      <a:r>
+                        <a:rPr lang="en-US" dirty="0" err="1"/>
+                        <a:t>realM</a:t>
+                      </a:r>
+                      <a:endParaRPr lang="en-CA" dirty="0"/>
+                    </a:p>
+                  </p:txBody>
+                </p:sp>
+                <p:sp>
+                  <p:nvSpPr>
+                    <p:cNvPr id="19" name="Rectangle 18">
+                      <a:extLst>
+                        <a:ext uri="{FF2B5EF4-FFF2-40B4-BE49-F238E27FC236}">
+                          <a16:creationId xmlns:a16="http://schemas.microsoft.com/office/drawing/2014/main" id="{85D2C28B-D0C8-E537-643E-D4946EE2980A}"/>
+                        </a:ext>
+                      </a:extLst>
+                    </p:cNvPr>
+                    <p:cNvSpPr/>
+                    <p:nvPr/>
+                  </p:nvSpPr>
+                  <p:spPr>
+                    <a:xfrm>
+                      <a:off x="4518660" y="9220200"/>
+                      <a:ext cx="1196340" cy="449580"/>
+                    </a:xfrm>
+                    <a:prstGeom prst="rect">
+                      <a:avLst/>
+                    </a:prstGeom>
+                    <a:noFill/>
+                  </p:spPr>
+                  <p:style>
+                    <a:lnRef idx="2">
+                      <a:schemeClr val="accent1">
+                        <a:shade val="15000"/>
+                      </a:schemeClr>
+                    </a:lnRef>
+                    <a:fillRef idx="1">
+                      <a:schemeClr val="accent1"/>
+                    </a:fillRef>
+                    <a:effectRef idx="0">
+                      <a:schemeClr val="accent1"/>
+                    </a:effectRef>
+                    <a:fontRef idx="minor">
+                      <a:schemeClr val="lt1"/>
+                    </a:fontRef>
+                  </p:style>
+                  <p:txBody>
+                    <a:bodyPr rtlCol="0" anchor="ctr"/>
+                    <a:lstStyle/>
+                    <a:p>
+                      <a:pPr algn="ctr"/>
+                      <a:endParaRPr lang="en-CA"/>
+                    </a:p>
+                  </p:txBody>
+                </p:sp>
+              </p:grpSp>
+              <p:sp>
+                <p:nvSpPr>
+                  <p:cNvPr id="37" name="TextBox 36">
+                    <a:extLst>
+                      <a:ext uri="{FF2B5EF4-FFF2-40B4-BE49-F238E27FC236}">
+                        <a16:creationId xmlns:a16="http://schemas.microsoft.com/office/drawing/2014/main" id="{9788ABF9-1144-03D4-5EA8-0F33CF32BCE2}"/>
+                      </a:ext>
+                    </a:extLst>
+                  </p:cNvPr>
+                  <p:cNvSpPr txBox="1"/>
+                  <p:nvPr/>
+                </p:nvSpPr>
+                <p:spPr>
+                  <a:xfrm>
+                    <a:off x="4843145" y="9269730"/>
+                    <a:ext cx="418704" cy="369332"/>
+                  </a:xfrm>
+                  <a:prstGeom prst="rect">
+                    <a:avLst/>
+                  </a:prstGeom>
+                  <a:noFill/>
+                </p:spPr>
+                <p:txBody>
+                  <a:bodyPr wrap="none" rtlCol="0">
+                    <a:spAutoFit/>
+                  </a:bodyPr>
+                  <a:lstStyle/>
+                  <a:p>
+                    <a:r>
+                      <a:rPr lang="en-US" dirty="0"/>
+                      <a:t>34</a:t>
+                    </a:r>
+                    <a:endParaRPr lang="en-CA" dirty="0"/>
+                  </a:p>
+                </p:txBody>
+              </p:sp>
+              <p:sp>
+                <p:nvSpPr>
+                  <p:cNvPr id="41" name="TextBox 40">
+                    <a:extLst>
+                      <a:ext uri="{FF2B5EF4-FFF2-40B4-BE49-F238E27FC236}">
+                        <a16:creationId xmlns:a16="http://schemas.microsoft.com/office/drawing/2014/main" id="{199B42D3-DE95-4DB0-465B-04A832B329FB}"/>
+                      </a:ext>
+                    </a:extLst>
+                  </p:cNvPr>
+                  <p:cNvSpPr txBox="1"/>
+                  <p:nvPr/>
+                </p:nvSpPr>
+                <p:spPr>
+                  <a:xfrm>
+                    <a:off x="4469765" y="6061710"/>
+                    <a:ext cx="418704" cy="369332"/>
+                  </a:xfrm>
+                  <a:prstGeom prst="rect">
+                    <a:avLst/>
+                  </a:prstGeom>
+                  <a:noFill/>
+                </p:spPr>
+                <p:txBody>
+                  <a:bodyPr wrap="none" rtlCol="0">
+                    <a:spAutoFit/>
+                  </a:bodyPr>
+                  <a:lstStyle/>
+                  <a:p>
+                    <a:r>
+                      <a:rPr lang="en-US" dirty="0"/>
+                      <a:t>34</a:t>
+                    </a:r>
+                    <a:endParaRPr lang="en-CA" dirty="0"/>
+                  </a:p>
+                </p:txBody>
+              </p:sp>
+            </p:grpSp>
+            <p:grpSp>
+              <p:nvGrpSpPr>
+                <p:cNvPr id="45" name="Group 44">
+                  <a:extLst>
+                    <a:ext uri="{FF2B5EF4-FFF2-40B4-BE49-F238E27FC236}">
+                      <a16:creationId xmlns:a16="http://schemas.microsoft.com/office/drawing/2014/main" id="{24A3DD71-3D4C-90E1-A7B6-3FFAF41C6EB9}"/>
+                    </a:ext>
+                  </a:extLst>
+                </p:cNvPr>
+                <p:cNvGrpSpPr/>
+                <p:nvPr/>
+              </p:nvGrpSpPr>
+              <p:grpSpPr>
+                <a:xfrm>
+                  <a:off x="3726180" y="6837680"/>
+                  <a:ext cx="1988820" cy="3368675"/>
+                  <a:chOff x="3726180" y="6301105"/>
+                  <a:chExt cx="1988820" cy="3368675"/>
+                </a:xfrm>
+              </p:grpSpPr>
+              <p:grpSp>
+                <p:nvGrpSpPr>
+                  <p:cNvPr id="46" name="Group 45">
+                    <a:extLst>
+                      <a:ext uri="{FF2B5EF4-FFF2-40B4-BE49-F238E27FC236}">
+                        <a16:creationId xmlns:a16="http://schemas.microsoft.com/office/drawing/2014/main" id="{1BFA7221-4CC2-C879-B98A-5B5B26A56F2B}"/>
+                      </a:ext>
+                    </a:extLst>
+                  </p:cNvPr>
+                  <p:cNvGrpSpPr/>
+                  <p:nvPr/>
+                </p:nvGrpSpPr>
+                <p:grpSpPr>
+                  <a:xfrm>
+                    <a:off x="3726180" y="9220200"/>
+                    <a:ext cx="1988820" cy="449580"/>
+                    <a:chOff x="3726180" y="9220200"/>
+                    <a:chExt cx="1988820" cy="449580"/>
+                  </a:xfrm>
+                </p:grpSpPr>
+                <p:sp>
+                  <p:nvSpPr>
+                    <p:cNvPr id="48" name="TextBox 47">
+                      <a:extLst>
+                        <a:ext uri="{FF2B5EF4-FFF2-40B4-BE49-F238E27FC236}">
+                          <a16:creationId xmlns:a16="http://schemas.microsoft.com/office/drawing/2014/main" id="{38EEFF33-B3C2-67A9-C600-B3CF92847391}"/>
+                        </a:ext>
+                      </a:extLst>
+                    </p:cNvPr>
+                    <p:cNvSpPr txBox="1"/>
+                    <p:nvPr/>
+                  </p:nvSpPr>
+                  <p:spPr>
+                    <a:xfrm>
+                      <a:off x="3726180" y="9265920"/>
+                      <a:ext cx="838691" cy="369332"/>
+                    </a:xfrm>
+                    <a:prstGeom prst="rect">
+                      <a:avLst/>
+                    </a:prstGeom>
+                    <a:noFill/>
+                  </p:spPr>
+                  <p:txBody>
+                    <a:bodyPr wrap="none" rtlCol="0">
+                      <a:spAutoFit/>
+                    </a:bodyPr>
+                    <a:lstStyle/>
+                    <a:p>
+                      <a:r>
+                        <a:rPr lang="en-US" dirty="0" err="1"/>
+                        <a:t>imagM</a:t>
+                      </a:r>
+                      <a:endParaRPr lang="en-CA" dirty="0"/>
+                    </a:p>
+                  </p:txBody>
+                </p:sp>
+                <p:sp>
+                  <p:nvSpPr>
+                    <p:cNvPr id="49" name="Rectangle 48">
+                      <a:extLst>
+                        <a:ext uri="{FF2B5EF4-FFF2-40B4-BE49-F238E27FC236}">
+                          <a16:creationId xmlns:a16="http://schemas.microsoft.com/office/drawing/2014/main" id="{8A48AB3C-31ED-AFED-196D-F10C6C46464F}"/>
+                        </a:ext>
+                      </a:extLst>
+                    </p:cNvPr>
+                    <p:cNvSpPr/>
+                    <p:nvPr/>
+                  </p:nvSpPr>
+                  <p:spPr>
+                    <a:xfrm>
+                      <a:off x="4518660" y="9220200"/>
+                      <a:ext cx="1196340" cy="449580"/>
+                    </a:xfrm>
+                    <a:prstGeom prst="rect">
+                      <a:avLst/>
+                    </a:prstGeom>
+                    <a:noFill/>
+                  </p:spPr>
+                  <p:style>
+                    <a:lnRef idx="2">
+                      <a:schemeClr val="accent1">
+                        <a:shade val="15000"/>
+                      </a:schemeClr>
+                    </a:lnRef>
+                    <a:fillRef idx="1">
+                      <a:schemeClr val="accent1"/>
+                    </a:fillRef>
+                    <a:effectRef idx="0">
+                      <a:schemeClr val="accent1"/>
+                    </a:effectRef>
+                    <a:fontRef idx="minor">
+                      <a:schemeClr val="lt1"/>
+                    </a:fontRef>
+                  </p:style>
+                  <p:txBody>
+                    <a:bodyPr rtlCol="0" anchor="ctr"/>
+                    <a:lstStyle/>
+                    <a:p>
+                      <a:pPr algn="ctr"/>
+                      <a:endParaRPr lang="en-CA"/>
+                    </a:p>
+                  </p:txBody>
+                </p:sp>
+              </p:grpSp>
+              <p:sp>
+                <p:nvSpPr>
+                  <p:cNvPr id="47" name="TextBox 46">
+                    <a:extLst>
+                      <a:ext uri="{FF2B5EF4-FFF2-40B4-BE49-F238E27FC236}">
+                        <a16:creationId xmlns:a16="http://schemas.microsoft.com/office/drawing/2014/main" id="{BA578D2A-6C03-5626-B39C-F6D83735EF0B}"/>
+                      </a:ext>
+                    </a:extLst>
+                  </p:cNvPr>
+                  <p:cNvSpPr txBox="1"/>
+                  <p:nvPr/>
+                </p:nvSpPr>
+                <p:spPr>
+                  <a:xfrm>
+                    <a:off x="4956175" y="9242425"/>
+                    <a:ext cx="301686" cy="369332"/>
+                  </a:xfrm>
+                  <a:prstGeom prst="rect">
+                    <a:avLst/>
+                  </a:prstGeom>
+                  <a:noFill/>
+                </p:spPr>
+                <p:txBody>
+                  <a:bodyPr wrap="none" rtlCol="0">
+                    <a:spAutoFit/>
+                  </a:bodyPr>
+                  <a:lstStyle/>
+                  <a:p>
+                    <a:r>
+                      <a:rPr lang="en-US" dirty="0"/>
+                      <a:t>5</a:t>
+                    </a:r>
+                    <a:endParaRPr lang="en-CA" dirty="0"/>
+                  </a:p>
+                </p:txBody>
+              </p:sp>
+              <p:sp>
+                <p:nvSpPr>
+                  <p:cNvPr id="42" name="TextBox 41">
+                    <a:extLst>
+                      <a:ext uri="{FF2B5EF4-FFF2-40B4-BE49-F238E27FC236}">
+                        <a16:creationId xmlns:a16="http://schemas.microsoft.com/office/drawing/2014/main" id="{CEB4317F-80D3-5B02-03A1-12EFF5CDE4BB}"/>
+                      </a:ext>
+                    </a:extLst>
+                  </p:cNvPr>
+                  <p:cNvSpPr txBox="1"/>
+                  <p:nvPr/>
+                </p:nvSpPr>
+                <p:spPr>
+                  <a:xfrm>
+                    <a:off x="4590415" y="6301105"/>
+                    <a:ext cx="301686" cy="369332"/>
+                  </a:xfrm>
+                  <a:prstGeom prst="rect">
+                    <a:avLst/>
+                  </a:prstGeom>
+                  <a:noFill/>
+                </p:spPr>
+                <p:txBody>
+                  <a:bodyPr wrap="none" rtlCol="0">
+                    <a:spAutoFit/>
+                  </a:bodyPr>
+                  <a:lstStyle/>
+                  <a:p>
+                    <a:r>
+                      <a:rPr lang="en-US" dirty="0"/>
+                      <a:t>5</a:t>
+                    </a:r>
+                    <a:endParaRPr lang="en-CA" dirty="0"/>
+                  </a:p>
+                </p:txBody>
+              </p:sp>
+            </p:grpSp>
+          </p:grpSp>
+        </p:grpSp>
+      </p:grpSp>
+      <p:grpSp>
+        <p:nvGrpSpPr>
+          <p:cNvPr id="80" name="Group 79">
+            <a:extLst>
+              <a:ext uri="{FF2B5EF4-FFF2-40B4-BE49-F238E27FC236}">
+                <a16:creationId xmlns:a16="http://schemas.microsoft.com/office/drawing/2014/main" id="{5B2AFA6E-F67C-56C0-E691-8AC38009A279}"/>
+              </a:ext>
+            </a:extLst>
+          </p:cNvPr>
+          <p:cNvGrpSpPr/>
+          <p:nvPr/>
+        </p:nvGrpSpPr>
+        <p:grpSpPr>
+          <a:xfrm>
+            <a:off x="1162136" y="3924299"/>
+            <a:ext cx="5128146" cy="3358350"/>
+            <a:chOff x="1180278" y="5347606"/>
+            <a:chExt cx="5128146" cy="3358350"/>
+          </a:xfrm>
+        </p:grpSpPr>
+        <p:grpSp>
+          <p:nvGrpSpPr>
+            <p:cNvPr id="51" name="Group 50">
+              <a:extLst>
+                <a:ext uri="{FF2B5EF4-FFF2-40B4-BE49-F238E27FC236}">
+                  <a16:creationId xmlns:a16="http://schemas.microsoft.com/office/drawing/2014/main" id="{4CF7B35C-1CBE-EFF9-1AFB-07CB63293495}"/>
+                </a:ext>
+              </a:extLst>
+            </p:cNvPr>
+            <p:cNvGrpSpPr/>
+            <p:nvPr/>
+          </p:nvGrpSpPr>
+          <p:grpSpPr>
+            <a:xfrm>
+              <a:off x="1180278" y="5347606"/>
+              <a:ext cx="5128146" cy="3358350"/>
+              <a:chOff x="1189803" y="10767331"/>
+              <a:chExt cx="5128146" cy="3358350"/>
+            </a:xfrm>
+          </p:grpSpPr>
+          <p:sp>
+            <p:nvSpPr>
+              <p:cNvPr id="52" name="TextBox 51">
+                <a:extLst>
+                  <a:ext uri="{FF2B5EF4-FFF2-40B4-BE49-F238E27FC236}">
+                    <a16:creationId xmlns:a16="http://schemas.microsoft.com/office/drawing/2014/main" id="{38A27BE1-C433-3EC8-AD02-7ACEEA2AFA3A}"/>
+                  </a:ext>
+                </a:extLst>
+              </p:cNvPr>
+              <p:cNvSpPr txBox="1">
+                <a:spLocks/>
+              </p:cNvSpPr>
+              <p:nvPr/>
+            </p:nvSpPr>
+            <p:spPr>
+              <a:xfrm>
+                <a:off x="1189803" y="12084574"/>
+                <a:ext cx="893193" cy="369332"/>
+              </a:xfrm>
+              <a:prstGeom prst="rect">
+                <a:avLst/>
+              </a:prstGeom>
+              <a:noFill/>
+            </p:spPr>
+            <p:txBody>
+              <a:bodyPr wrap="none" rtlCol="0">
+                <a:spAutoFit/>
+              </a:bodyPr>
+              <a:lstStyle/>
+              <a:p>
+                <a:r>
+                  <a:rPr lang="en-US" dirty="0"/>
+                  <a:t>AR </a:t>
+                </a:r>
+                <a:r>
+                  <a:rPr lang="en-US" dirty="0" err="1"/>
+                  <a:t>Cplx</a:t>
+                </a:r>
+                <a:endParaRPr lang="en-CA" dirty="0"/>
+              </a:p>
+            </p:txBody>
+          </p:sp>
+          <p:grpSp>
+            <p:nvGrpSpPr>
+              <p:cNvPr id="53" name="Group 52">
+                <a:extLst>
+                  <a:ext uri="{FF2B5EF4-FFF2-40B4-BE49-F238E27FC236}">
+                    <a16:creationId xmlns:a16="http://schemas.microsoft.com/office/drawing/2014/main" id="{78828CDF-D2ED-82A1-1BDD-8B1290D384A2}"/>
+                  </a:ext>
+                </a:extLst>
+              </p:cNvPr>
+              <p:cNvGrpSpPr/>
+              <p:nvPr/>
+            </p:nvGrpSpPr>
+            <p:grpSpPr>
+              <a:xfrm>
+                <a:off x="2673049" y="10767331"/>
+                <a:ext cx="3644900" cy="3358350"/>
+                <a:chOff x="2269189" y="10472657"/>
+                <a:chExt cx="3644900" cy="1511805"/>
+              </a:xfrm>
+            </p:grpSpPr>
+            <p:sp>
+              <p:nvSpPr>
+                <p:cNvPr id="54" name="TextBox 53">
+                  <a:extLst>
+                    <a:ext uri="{FF2B5EF4-FFF2-40B4-BE49-F238E27FC236}">
+                      <a16:creationId xmlns:a16="http://schemas.microsoft.com/office/drawing/2014/main" id="{AFFC1990-C61E-4004-59D1-9B893E092322}"/>
+                    </a:ext>
+                  </a:extLst>
+                </p:cNvPr>
+                <p:cNvSpPr txBox="1"/>
+                <p:nvPr/>
+              </p:nvSpPr>
+              <p:spPr>
+                <a:xfrm>
+                  <a:off x="2269189" y="10568756"/>
+                  <a:ext cx="3550920" cy="166260"/>
+                </a:xfrm>
+                <a:prstGeom prst="rect">
+                  <a:avLst/>
+                </a:prstGeom>
+                <a:noFill/>
+              </p:spPr>
+              <p:txBody>
+                <a:bodyPr wrap="square" rtlCol="0" anchor="ctr">
+                  <a:spAutoFit/>
+                </a:bodyPr>
+                <a:lstStyle/>
+                <a:p>
+                  <a:pPr algn="ctr"/>
+                  <a:r>
+                    <a:rPr lang="en-US" dirty="0"/>
+                    <a:t>No local variables</a:t>
+                  </a:r>
+                  <a:endParaRPr lang="en-CA" dirty="0"/>
+                </a:p>
+              </p:txBody>
+            </p:sp>
+            <p:grpSp>
+              <p:nvGrpSpPr>
+                <p:cNvPr id="55" name="Group 54">
+                  <a:extLst>
+                    <a:ext uri="{FF2B5EF4-FFF2-40B4-BE49-F238E27FC236}">
+                      <a16:creationId xmlns:a16="http://schemas.microsoft.com/office/drawing/2014/main" id="{4B74C658-2D3D-7E7C-57AA-048322BB3781}"/>
+                    </a:ext>
+                  </a:extLst>
+                </p:cNvPr>
+                <p:cNvGrpSpPr/>
+                <p:nvPr/>
+              </p:nvGrpSpPr>
+              <p:grpSpPr>
+                <a:xfrm>
+                  <a:off x="2339040" y="10472657"/>
+                  <a:ext cx="3575049" cy="1511805"/>
+                  <a:chOff x="2339040" y="10472657"/>
+                  <a:chExt cx="3575049" cy="1511805"/>
+                </a:xfrm>
+              </p:grpSpPr>
+              <p:cxnSp>
+                <p:nvCxnSpPr>
+                  <p:cNvPr id="56" name="Straight Connector 55">
+                    <a:extLst>
+                      <a:ext uri="{FF2B5EF4-FFF2-40B4-BE49-F238E27FC236}">
+                        <a16:creationId xmlns:a16="http://schemas.microsoft.com/office/drawing/2014/main" id="{12D956AD-E465-761A-A717-1109E9144E66}"/>
+                      </a:ext>
+                    </a:extLst>
+                  </p:cNvPr>
+                  <p:cNvCxnSpPr>
+                    <a:cxnSpLocks/>
+                  </p:cNvCxnSpPr>
+                  <p:nvPr/>
+                </p:nvCxnSpPr>
+                <p:spPr>
+                  <a:xfrm>
+                    <a:off x="2363169" y="10848087"/>
+                    <a:ext cx="3550920" cy="0"/>
+                  </a:xfrm>
+                  <a:prstGeom prst="line">
+                    <a:avLst/>
+                  </a:prstGeom>
+                </p:spPr>
+                <p:style>
+                  <a:lnRef idx="1">
+                    <a:schemeClr val="dk1"/>
+                  </a:lnRef>
+                  <a:fillRef idx="0">
+                    <a:schemeClr val="dk1"/>
+                  </a:fillRef>
+                  <a:effectRef idx="0">
+                    <a:schemeClr val="dk1"/>
+                  </a:effectRef>
+                  <a:fontRef idx="minor">
+                    <a:schemeClr val="tx1"/>
+                  </a:fontRef>
+                </p:style>
+              </p:cxnSp>
+              <p:sp>
+                <p:nvSpPr>
+                  <p:cNvPr id="57" name="Rectangle 56">
+                    <a:extLst>
+                      <a:ext uri="{FF2B5EF4-FFF2-40B4-BE49-F238E27FC236}">
+                        <a16:creationId xmlns:a16="http://schemas.microsoft.com/office/drawing/2014/main" id="{17ABD746-B5FB-5CA1-22F5-A4CA1880543A}"/>
+                      </a:ext>
+                    </a:extLst>
+                  </p:cNvPr>
+                  <p:cNvSpPr>
+                    <a:spLocks/>
+                  </p:cNvSpPr>
+                  <p:nvPr/>
+                </p:nvSpPr>
+                <p:spPr>
+                  <a:xfrm>
+                    <a:off x="2339040" y="10472657"/>
+                    <a:ext cx="3553326" cy="1511805"/>
+                  </a:xfrm>
+                  <a:prstGeom prst="rect">
+                    <a:avLst/>
+                  </a:prstGeom>
+                  <a:noFill/>
+                  <a:ln>
+                    <a:solidFill>
+                      <a:schemeClr val="tx1"/>
+                    </a:solidFill>
+                  </a:ln>
+                </p:spPr>
+                <p:style>
+                  <a:lnRef idx="2">
+                    <a:schemeClr val="accent1">
+                      <a:shade val="15000"/>
+                    </a:schemeClr>
+                  </a:lnRef>
+                  <a:fillRef idx="1">
+                    <a:schemeClr val="accent1"/>
+                  </a:fillRef>
+                  <a:effectRef idx="0">
+                    <a:schemeClr val="accent1"/>
+                  </a:effectRef>
+                  <a:fontRef idx="minor">
+                    <a:schemeClr val="lt1"/>
+                  </a:fontRef>
+                </p:style>
+                <p:txBody>
+                  <a:bodyPr rtlCol="0" anchor="ctr"/>
+                  <a:lstStyle/>
+                  <a:p>
+                    <a:pPr algn="ctr"/>
+                    <a:endParaRPr lang="en-CA"/>
+                  </a:p>
+                </p:txBody>
+              </p:sp>
+            </p:grpSp>
+          </p:grpSp>
+        </p:grpSp>
+        <p:grpSp>
+          <p:nvGrpSpPr>
+            <p:cNvPr id="74" name="Group 73">
+              <a:extLst>
+                <a:ext uri="{FF2B5EF4-FFF2-40B4-BE49-F238E27FC236}">
+                  <a16:creationId xmlns:a16="http://schemas.microsoft.com/office/drawing/2014/main" id="{8C68C7DC-0AF0-6E55-3CF2-54D51B1392AC}"/>
+                </a:ext>
+              </a:extLst>
+            </p:cNvPr>
+            <p:cNvGrpSpPr/>
+            <p:nvPr/>
+          </p:nvGrpSpPr>
+          <p:grpSpPr>
+            <a:xfrm>
+              <a:off x="3357880" y="6492240"/>
+              <a:ext cx="2026920" cy="1958340"/>
+              <a:chOff x="3688080" y="7711440"/>
+              <a:chExt cx="2026920" cy="1958340"/>
+            </a:xfrm>
+          </p:grpSpPr>
+          <p:sp>
+            <p:nvSpPr>
+              <p:cNvPr id="76" name="TextBox 75">
+                <a:extLst>
+                  <a:ext uri="{FF2B5EF4-FFF2-40B4-BE49-F238E27FC236}">
+                    <a16:creationId xmlns:a16="http://schemas.microsoft.com/office/drawing/2014/main" id="{270AAFD7-1BC8-9F97-0A09-5C37D7AA2E3D}"/>
+                  </a:ext>
+                </a:extLst>
+              </p:cNvPr>
+              <p:cNvSpPr txBox="1"/>
+              <p:nvPr/>
+            </p:nvSpPr>
+            <p:spPr>
+              <a:xfrm>
+                <a:off x="3726180" y="9265920"/>
+                <a:ext cx="526106" cy="369332"/>
+              </a:xfrm>
+              <a:prstGeom prst="rect">
+                <a:avLst/>
+              </a:prstGeom>
+              <a:noFill/>
+            </p:spPr>
+            <p:txBody>
+              <a:bodyPr wrap="none" rtlCol="0">
+                <a:spAutoFit/>
+              </a:bodyPr>
+              <a:lstStyle/>
+              <a:p>
+                <a:r>
+                  <a:rPr lang="en-US" dirty="0"/>
+                  <a:t>this</a:t>
+                </a:r>
+                <a:endParaRPr lang="en-CA" dirty="0"/>
+              </a:p>
+            </p:txBody>
+          </p:sp>
+          <p:sp>
+            <p:nvSpPr>
+              <p:cNvPr id="77" name="Rectangle 76">
+                <a:extLst>
+                  <a:ext uri="{FF2B5EF4-FFF2-40B4-BE49-F238E27FC236}">
+                    <a16:creationId xmlns:a16="http://schemas.microsoft.com/office/drawing/2014/main" id="{F429D7D9-9C3A-D2A8-21D5-65DA7E2F5717}"/>
+                  </a:ext>
+                </a:extLst>
+              </p:cNvPr>
+              <p:cNvSpPr/>
+              <p:nvPr/>
+            </p:nvSpPr>
+            <p:spPr>
+              <a:xfrm>
+                <a:off x="4518660" y="9220200"/>
+                <a:ext cx="1196340" cy="449580"/>
+              </a:xfrm>
+              <a:prstGeom prst="rect">
+                <a:avLst/>
+              </a:prstGeom>
+              <a:noFill/>
+            </p:spPr>
+            <p:style>
+              <a:lnRef idx="2">
+                <a:schemeClr val="accent1">
+                  <a:shade val="15000"/>
+                </a:schemeClr>
+              </a:lnRef>
+              <a:fillRef idx="1">
+                <a:schemeClr val="accent1"/>
+              </a:fillRef>
+              <a:effectRef idx="0">
+                <a:schemeClr val="accent1"/>
+              </a:effectRef>
+              <a:fontRef idx="minor">
+                <a:schemeClr val="lt1"/>
+              </a:fontRef>
+            </p:style>
+            <p:txBody>
+              <a:bodyPr rtlCol="0" anchor="ctr"/>
+              <a:lstStyle/>
+              <a:p>
+                <a:pPr algn="ctr"/>
+                <a:endParaRPr lang="en-CA"/>
+              </a:p>
+            </p:txBody>
+          </p:sp>
+          <p:sp>
+            <p:nvSpPr>
+              <p:cNvPr id="33" name="TextBox 32">
+                <a:extLst>
+                  <a:ext uri="{FF2B5EF4-FFF2-40B4-BE49-F238E27FC236}">
+                    <a16:creationId xmlns:a16="http://schemas.microsoft.com/office/drawing/2014/main" id="{BE36F090-6590-97FB-CBF5-A7B001CA6026}"/>
+                  </a:ext>
+                </a:extLst>
+              </p:cNvPr>
+              <p:cNvSpPr txBox="1"/>
+              <p:nvPr/>
+            </p:nvSpPr>
+            <p:spPr>
+              <a:xfrm>
+                <a:off x="3703320" y="8503920"/>
+                <a:ext cx="641522" cy="369332"/>
+              </a:xfrm>
+              <a:prstGeom prst="rect">
+                <a:avLst/>
+              </a:prstGeom>
+              <a:noFill/>
+            </p:spPr>
+            <p:txBody>
+              <a:bodyPr wrap="none" rtlCol="0">
+                <a:spAutoFit/>
+              </a:bodyPr>
+              <a:lstStyle/>
+              <a:p>
+                <a:r>
+                  <a:rPr lang="en-US" dirty="0" err="1"/>
+                  <a:t>imag</a:t>
+                </a:r>
+                <a:endParaRPr lang="en-CA" dirty="0"/>
+              </a:p>
+            </p:txBody>
+          </p:sp>
+          <p:sp>
+            <p:nvSpPr>
+              <p:cNvPr id="34" name="Rectangle 33">
+                <a:extLst>
+                  <a:ext uri="{FF2B5EF4-FFF2-40B4-BE49-F238E27FC236}">
+                    <a16:creationId xmlns:a16="http://schemas.microsoft.com/office/drawing/2014/main" id="{1B4C97C3-93D2-50A7-2144-90C62F73F1C0}"/>
+                  </a:ext>
+                </a:extLst>
+              </p:cNvPr>
+              <p:cNvSpPr/>
+              <p:nvPr/>
+            </p:nvSpPr>
+            <p:spPr>
+              <a:xfrm>
+                <a:off x="4495800" y="8458200"/>
+                <a:ext cx="1196340" cy="449580"/>
+              </a:xfrm>
+              <a:prstGeom prst="rect">
+                <a:avLst/>
+              </a:prstGeom>
+              <a:noFill/>
+            </p:spPr>
+            <p:style>
+              <a:lnRef idx="2">
+                <a:schemeClr val="accent1">
+                  <a:shade val="15000"/>
+                </a:schemeClr>
+              </a:lnRef>
+              <a:fillRef idx="1">
+                <a:schemeClr val="accent1"/>
+              </a:fillRef>
+              <a:effectRef idx="0">
+                <a:schemeClr val="accent1"/>
+              </a:effectRef>
+              <a:fontRef idx="minor">
+                <a:schemeClr val="lt1"/>
+              </a:fontRef>
+            </p:style>
+            <p:txBody>
+              <a:bodyPr rtlCol="0" anchor="ctr"/>
+              <a:lstStyle/>
+              <a:p>
+                <a:pPr algn="ctr"/>
+                <a:endParaRPr lang="en-CA"/>
+              </a:p>
+            </p:txBody>
+          </p:sp>
+          <p:sp>
+            <p:nvSpPr>
+              <p:cNvPr id="35" name="TextBox 34">
+                <a:extLst>
+                  <a:ext uri="{FF2B5EF4-FFF2-40B4-BE49-F238E27FC236}">
+                    <a16:creationId xmlns:a16="http://schemas.microsoft.com/office/drawing/2014/main" id="{7886B722-45DE-C37E-7E1E-04E64E0FC53A}"/>
+                  </a:ext>
+                </a:extLst>
+              </p:cNvPr>
+              <p:cNvSpPr txBox="1"/>
+              <p:nvPr/>
+            </p:nvSpPr>
+            <p:spPr>
+              <a:xfrm>
+                <a:off x="3688080" y="7757160"/>
+                <a:ext cx="540725" cy="369332"/>
+              </a:xfrm>
+              <a:prstGeom prst="rect">
+                <a:avLst/>
+              </a:prstGeom>
+              <a:noFill/>
+            </p:spPr>
+            <p:txBody>
+              <a:bodyPr wrap="none" rtlCol="0">
+                <a:spAutoFit/>
+              </a:bodyPr>
+              <a:lstStyle/>
+              <a:p>
+                <a:r>
+                  <a:rPr lang="en-US" dirty="0"/>
+                  <a:t>real</a:t>
+                </a:r>
+                <a:endParaRPr lang="en-CA" dirty="0"/>
+              </a:p>
+            </p:txBody>
+          </p:sp>
+          <p:sp>
+            <p:nvSpPr>
+              <p:cNvPr id="36" name="Rectangle 35">
+                <a:extLst>
+                  <a:ext uri="{FF2B5EF4-FFF2-40B4-BE49-F238E27FC236}">
+                    <a16:creationId xmlns:a16="http://schemas.microsoft.com/office/drawing/2014/main" id="{AB9E1BB8-3B8A-04FE-B2E4-36DB0B4F06AA}"/>
+                  </a:ext>
+                </a:extLst>
+              </p:cNvPr>
+              <p:cNvSpPr/>
+              <p:nvPr/>
+            </p:nvSpPr>
+            <p:spPr>
+              <a:xfrm>
+                <a:off x="4480560" y="7711440"/>
+                <a:ext cx="1196340" cy="449580"/>
+              </a:xfrm>
+              <a:prstGeom prst="rect">
+                <a:avLst/>
+              </a:prstGeom>
+              <a:noFill/>
+            </p:spPr>
+            <p:style>
+              <a:lnRef idx="2">
+                <a:schemeClr val="accent1">
+                  <a:shade val="15000"/>
+                </a:schemeClr>
+              </a:lnRef>
+              <a:fillRef idx="1">
+                <a:schemeClr val="accent1"/>
+              </a:fillRef>
+              <a:effectRef idx="0">
+                <a:schemeClr val="accent1"/>
+              </a:effectRef>
+              <a:fontRef idx="minor">
+                <a:schemeClr val="lt1"/>
+              </a:fontRef>
+            </p:style>
+            <p:txBody>
+              <a:bodyPr rtlCol="0" anchor="ctr"/>
+              <a:lstStyle/>
+              <a:p>
+                <a:pPr algn="ctr"/>
+                <a:endParaRPr lang="en-CA"/>
+              </a:p>
+            </p:txBody>
+          </p:sp>
+        </p:grpSp>
+      </p:grpSp>
+      <p:grpSp>
+        <p:nvGrpSpPr>
+          <p:cNvPr id="8" name="Group 7">
+            <a:extLst>
+              <a:ext uri="{FF2B5EF4-FFF2-40B4-BE49-F238E27FC236}">
+                <a16:creationId xmlns:a16="http://schemas.microsoft.com/office/drawing/2014/main" id="{0B26AE5B-8335-FB03-38E9-B264A3D1D76B}"/>
+              </a:ext>
+            </a:extLst>
+          </p:cNvPr>
+          <p:cNvGrpSpPr/>
+          <p:nvPr/>
+        </p:nvGrpSpPr>
+        <p:grpSpPr>
+          <a:xfrm>
+            <a:off x="2715161" y="9690100"/>
+            <a:ext cx="3234789" cy="1143000"/>
+            <a:chOff x="2785011" y="9144000"/>
+            <a:chExt cx="3234789" cy="1143000"/>
+          </a:xfrm>
+        </p:grpSpPr>
+        <p:sp>
+          <p:nvSpPr>
+            <p:cNvPr id="16" name="TextBox 15">
+              <a:extLst>
+                <a:ext uri="{FF2B5EF4-FFF2-40B4-BE49-F238E27FC236}">
+                  <a16:creationId xmlns:a16="http://schemas.microsoft.com/office/drawing/2014/main" id="{B7D2A3C2-E008-0CAB-DA1E-EA7C320F0DB5}"/>
+                </a:ext>
+              </a:extLst>
+            </p:cNvPr>
+            <p:cNvSpPr txBox="1">
+              <a:spLocks/>
+            </p:cNvSpPr>
+            <p:nvPr/>
+          </p:nvSpPr>
+          <p:spPr>
+            <a:xfrm>
+              <a:off x="2785011" y="9158401"/>
+              <a:ext cx="773529" cy="369332"/>
+            </a:xfrm>
+            <a:prstGeom prst="rect">
+              <a:avLst/>
+            </a:prstGeom>
+            <a:noFill/>
+          </p:spPr>
+          <p:txBody>
+            <a:bodyPr wrap="square" rtlCol="0">
+              <a:spAutoFit/>
+            </a:bodyPr>
+            <a:lstStyle/>
+            <a:p>
+              <a:pPr algn="ctr"/>
+              <a:r>
+                <a:rPr lang="en-US" dirty="0"/>
+                <a:t>num1</a:t>
+              </a:r>
+              <a:endParaRPr lang="en-CA" dirty="0"/>
+            </a:p>
+          </p:txBody>
+        </p:sp>
+        <p:grpSp>
+          <p:nvGrpSpPr>
+            <p:cNvPr id="18" name="Group 17">
+              <a:extLst>
+                <a:ext uri="{FF2B5EF4-FFF2-40B4-BE49-F238E27FC236}">
+                  <a16:creationId xmlns:a16="http://schemas.microsoft.com/office/drawing/2014/main" id="{50F5E427-1BBF-0470-4079-739C778C3AB5}"/>
+                </a:ext>
+              </a:extLst>
+            </p:cNvPr>
+            <p:cNvGrpSpPr/>
+            <p:nvPr/>
+          </p:nvGrpSpPr>
+          <p:grpSpPr>
+            <a:xfrm>
+              <a:off x="3634740" y="9144000"/>
+              <a:ext cx="2385060" cy="1143000"/>
+              <a:chOff x="3634740" y="9144000"/>
+              <a:chExt cx="2385060" cy="1143000"/>
+            </a:xfrm>
+          </p:grpSpPr>
+          <p:sp>
+            <p:nvSpPr>
+              <p:cNvPr id="20" name="Rectangle 19">
+                <a:extLst>
+                  <a:ext uri="{FF2B5EF4-FFF2-40B4-BE49-F238E27FC236}">
+                    <a16:creationId xmlns:a16="http://schemas.microsoft.com/office/drawing/2014/main" id="{CBF315F0-E1C7-2FB8-95DD-43B37377F053}"/>
+                  </a:ext>
+                </a:extLst>
+              </p:cNvPr>
+              <p:cNvSpPr/>
+              <p:nvPr/>
+            </p:nvSpPr>
+            <p:spPr>
+              <a:xfrm>
+                <a:off x="3634740" y="9144000"/>
+                <a:ext cx="2385060" cy="1143000"/>
+              </a:xfrm>
+              <a:prstGeom prst="rect">
+                <a:avLst/>
+              </a:prstGeom>
+              <a:noFill/>
+              <a:ln>
+                <a:solidFill>
+                  <a:schemeClr val="tx1"/>
+                </a:solidFill>
+              </a:ln>
+            </p:spPr>
+            <p:style>
+              <a:lnRef idx="2">
+                <a:schemeClr val="accent1">
+                  <a:shade val="15000"/>
+                </a:schemeClr>
+              </a:lnRef>
+              <a:fillRef idx="1">
+                <a:schemeClr val="accent1"/>
+              </a:fillRef>
+              <a:effectRef idx="0">
+                <a:schemeClr val="accent1"/>
+              </a:effectRef>
+              <a:fontRef idx="minor">
+                <a:schemeClr val="lt1"/>
+              </a:fontRef>
+            </p:style>
+            <p:txBody>
+              <a:bodyPr rtlCol="0" anchor="ctr"/>
+              <a:lstStyle/>
+              <a:p>
+                <a:pPr algn="ctr"/>
+                <a:endParaRPr lang="en-CA"/>
+              </a:p>
+            </p:txBody>
+          </p:sp>
+          <p:grpSp>
+            <p:nvGrpSpPr>
+              <p:cNvPr id="21" name="Group 20">
+                <a:extLst>
+                  <a:ext uri="{FF2B5EF4-FFF2-40B4-BE49-F238E27FC236}">
+                    <a16:creationId xmlns:a16="http://schemas.microsoft.com/office/drawing/2014/main" id="{1B09E10D-A64A-9959-6F4E-5C637D6038A4}"/>
+                  </a:ext>
+                </a:extLst>
+              </p:cNvPr>
+              <p:cNvGrpSpPr/>
+              <p:nvPr/>
+            </p:nvGrpSpPr>
+            <p:grpSpPr>
+              <a:xfrm>
+                <a:off x="3726180" y="9220200"/>
+                <a:ext cx="1988820" cy="986155"/>
+                <a:chOff x="3726180" y="9220200"/>
+                <a:chExt cx="1988820" cy="986155"/>
+              </a:xfrm>
+            </p:grpSpPr>
+            <p:grpSp>
+              <p:nvGrpSpPr>
+                <p:cNvPr id="22" name="Group 21">
+                  <a:extLst>
+                    <a:ext uri="{FF2B5EF4-FFF2-40B4-BE49-F238E27FC236}">
+                      <a16:creationId xmlns:a16="http://schemas.microsoft.com/office/drawing/2014/main" id="{057879E2-98D9-456E-9DED-FEB42ED386DC}"/>
+                    </a:ext>
+                  </a:extLst>
+                </p:cNvPr>
+                <p:cNvGrpSpPr/>
+                <p:nvPr/>
+              </p:nvGrpSpPr>
+              <p:grpSpPr>
+                <a:xfrm>
+                  <a:off x="3726180" y="9220200"/>
+                  <a:ext cx="1988820" cy="449580"/>
+                  <a:chOff x="3726180" y="9220200"/>
+                  <a:chExt cx="1988820" cy="449580"/>
+                </a:xfrm>
+              </p:grpSpPr>
+              <p:grpSp>
+                <p:nvGrpSpPr>
+                  <p:cNvPr id="29" name="Group 28">
+                    <a:extLst>
+                      <a:ext uri="{FF2B5EF4-FFF2-40B4-BE49-F238E27FC236}">
+                        <a16:creationId xmlns:a16="http://schemas.microsoft.com/office/drawing/2014/main" id="{2885CACB-7BF3-A1C9-32EA-8EE8D178C4A2}"/>
+                      </a:ext>
+                    </a:extLst>
+                  </p:cNvPr>
+                  <p:cNvGrpSpPr/>
+                  <p:nvPr/>
+                </p:nvGrpSpPr>
+                <p:grpSpPr>
+                  <a:xfrm>
+                    <a:off x="3726180" y="9220200"/>
+                    <a:ext cx="1988820" cy="449580"/>
+                    <a:chOff x="3726180" y="9220200"/>
+                    <a:chExt cx="1988820" cy="449580"/>
+                  </a:xfrm>
+                </p:grpSpPr>
+                <p:sp>
+                  <p:nvSpPr>
+                    <p:cNvPr id="31" name="TextBox 30">
+                      <a:extLst>
+                        <a:ext uri="{FF2B5EF4-FFF2-40B4-BE49-F238E27FC236}">
+                          <a16:creationId xmlns:a16="http://schemas.microsoft.com/office/drawing/2014/main" id="{994D83C5-A933-1E90-C1E4-0DDC38F20B81}"/>
+                        </a:ext>
+                      </a:extLst>
+                    </p:cNvPr>
+                    <p:cNvSpPr txBox="1"/>
+                    <p:nvPr/>
+                  </p:nvSpPr>
+                  <p:spPr>
+                    <a:xfrm>
+                      <a:off x="3726180" y="9265920"/>
+                      <a:ext cx="737894" cy="369332"/>
+                    </a:xfrm>
+                    <a:prstGeom prst="rect">
+                      <a:avLst/>
+                    </a:prstGeom>
+                    <a:noFill/>
+                  </p:spPr>
+                  <p:txBody>
+                    <a:bodyPr wrap="none" rtlCol="0">
+                      <a:spAutoFit/>
+                    </a:bodyPr>
+                    <a:lstStyle/>
+                    <a:p>
+                      <a:r>
+                        <a:rPr lang="en-US" dirty="0" err="1"/>
+                        <a:t>realM</a:t>
+                      </a:r>
+                      <a:endParaRPr lang="en-CA" dirty="0"/>
+                    </a:p>
+                  </p:txBody>
+                </p:sp>
+                <p:sp>
+                  <p:nvSpPr>
+                    <p:cNvPr id="32" name="Rectangle 31">
+                      <a:extLst>
+                        <a:ext uri="{FF2B5EF4-FFF2-40B4-BE49-F238E27FC236}">
+                          <a16:creationId xmlns:a16="http://schemas.microsoft.com/office/drawing/2014/main" id="{00350A1B-D5E9-EC6B-6597-CDA7648A43BF}"/>
+                        </a:ext>
+                      </a:extLst>
+                    </p:cNvPr>
+                    <p:cNvSpPr/>
+                    <p:nvPr/>
+                  </p:nvSpPr>
+                  <p:spPr>
+                    <a:xfrm>
+                      <a:off x="4518660" y="9220200"/>
+                      <a:ext cx="1196340" cy="449580"/>
+                    </a:xfrm>
+                    <a:prstGeom prst="rect">
+                      <a:avLst/>
+                    </a:prstGeom>
+                    <a:noFill/>
+                  </p:spPr>
+                  <p:style>
+                    <a:lnRef idx="2">
+                      <a:schemeClr val="accent1">
+                        <a:shade val="15000"/>
+                      </a:schemeClr>
+                    </a:lnRef>
+                    <a:fillRef idx="1">
+                      <a:schemeClr val="accent1"/>
+                    </a:fillRef>
+                    <a:effectRef idx="0">
+                      <a:schemeClr val="accent1"/>
+                    </a:effectRef>
+                    <a:fontRef idx="minor">
+                      <a:schemeClr val="lt1"/>
+                    </a:fontRef>
+                  </p:style>
+                  <p:txBody>
+                    <a:bodyPr rtlCol="0" anchor="ctr"/>
+                    <a:lstStyle/>
+                    <a:p>
+                      <a:pPr algn="ctr"/>
+                      <a:endParaRPr lang="en-CA"/>
+                    </a:p>
+                  </p:txBody>
+                </p:sp>
+              </p:grpSp>
+              <p:sp>
+                <p:nvSpPr>
+                  <p:cNvPr id="30" name="TextBox 29">
+                    <a:extLst>
+                      <a:ext uri="{FF2B5EF4-FFF2-40B4-BE49-F238E27FC236}">
+                        <a16:creationId xmlns:a16="http://schemas.microsoft.com/office/drawing/2014/main" id="{7C1DAC26-829E-187C-6078-E32900BA8969}"/>
+                      </a:ext>
+                    </a:extLst>
+                  </p:cNvPr>
+                  <p:cNvSpPr txBox="1"/>
+                  <p:nvPr/>
+                </p:nvSpPr>
+                <p:spPr>
+                  <a:xfrm>
+                    <a:off x="4797425" y="9277350"/>
+                    <a:ext cx="535724" cy="369332"/>
+                  </a:xfrm>
+                  <a:prstGeom prst="rect">
+                    <a:avLst/>
+                  </a:prstGeom>
+                  <a:noFill/>
+                </p:spPr>
+                <p:txBody>
+                  <a:bodyPr wrap="none" rtlCol="0">
+                    <a:spAutoFit/>
+                  </a:bodyPr>
+                  <a:lstStyle/>
+                  <a:p>
+                    <a:r>
+                      <a:rPr lang="en-US" dirty="0"/>
+                      <a:t>666</a:t>
+                    </a:r>
+                    <a:endParaRPr lang="en-CA" dirty="0"/>
+                  </a:p>
+                </p:txBody>
+              </p:sp>
+            </p:grpSp>
+            <p:grpSp>
+              <p:nvGrpSpPr>
+                <p:cNvPr id="23" name="Group 22">
+                  <a:extLst>
+                    <a:ext uri="{FF2B5EF4-FFF2-40B4-BE49-F238E27FC236}">
+                      <a16:creationId xmlns:a16="http://schemas.microsoft.com/office/drawing/2014/main" id="{CFFE6E4C-EBB9-3710-2D10-E704B588F61E}"/>
+                    </a:ext>
+                  </a:extLst>
+                </p:cNvPr>
+                <p:cNvGrpSpPr/>
+                <p:nvPr/>
+              </p:nvGrpSpPr>
+              <p:grpSpPr>
+                <a:xfrm>
+                  <a:off x="3726180" y="9756775"/>
+                  <a:ext cx="1988820" cy="449580"/>
+                  <a:chOff x="3726180" y="9220200"/>
+                  <a:chExt cx="1988820" cy="449580"/>
+                </a:xfrm>
+              </p:grpSpPr>
+              <p:grpSp>
+                <p:nvGrpSpPr>
+                  <p:cNvPr id="24" name="Group 23">
+                    <a:extLst>
+                      <a:ext uri="{FF2B5EF4-FFF2-40B4-BE49-F238E27FC236}">
+                        <a16:creationId xmlns:a16="http://schemas.microsoft.com/office/drawing/2014/main" id="{432D9F3C-E727-4815-D0FF-AAB68C218FC4}"/>
+                      </a:ext>
+                    </a:extLst>
+                  </p:cNvPr>
+                  <p:cNvGrpSpPr/>
+                  <p:nvPr/>
+                </p:nvGrpSpPr>
+                <p:grpSpPr>
+                  <a:xfrm>
+                    <a:off x="3726180" y="9220200"/>
+                    <a:ext cx="1988820" cy="449580"/>
+                    <a:chOff x="3726180" y="9220200"/>
+                    <a:chExt cx="1988820" cy="449580"/>
+                  </a:xfrm>
+                </p:grpSpPr>
+                <p:sp>
+                  <p:nvSpPr>
+                    <p:cNvPr id="27" name="TextBox 26">
+                      <a:extLst>
+                        <a:ext uri="{FF2B5EF4-FFF2-40B4-BE49-F238E27FC236}">
+                          <a16:creationId xmlns:a16="http://schemas.microsoft.com/office/drawing/2014/main" id="{E31BB63F-D6E6-0990-9A83-E663A45AC997}"/>
+                        </a:ext>
+                      </a:extLst>
+                    </p:cNvPr>
+                    <p:cNvSpPr txBox="1"/>
+                    <p:nvPr/>
+                  </p:nvSpPr>
+                  <p:spPr>
+                    <a:xfrm>
+                      <a:off x="3726180" y="9265920"/>
+                      <a:ext cx="838691" cy="369332"/>
+                    </a:xfrm>
+                    <a:prstGeom prst="rect">
+                      <a:avLst/>
+                    </a:prstGeom>
+                    <a:noFill/>
+                  </p:spPr>
+                  <p:txBody>
+                    <a:bodyPr wrap="none" rtlCol="0">
+                      <a:spAutoFit/>
+                    </a:bodyPr>
+                    <a:lstStyle/>
+                    <a:p>
+                      <a:r>
+                        <a:rPr lang="en-US" dirty="0" err="1"/>
+                        <a:t>imagM</a:t>
+                      </a:r>
+                      <a:endParaRPr lang="en-CA" dirty="0"/>
+                    </a:p>
+                  </p:txBody>
+                </p:sp>
+                <p:sp>
+                  <p:nvSpPr>
+                    <p:cNvPr id="28" name="Rectangle 27">
+                      <a:extLst>
+                        <a:ext uri="{FF2B5EF4-FFF2-40B4-BE49-F238E27FC236}">
+                          <a16:creationId xmlns:a16="http://schemas.microsoft.com/office/drawing/2014/main" id="{8CEC2C86-438B-AF20-2215-D060D8116483}"/>
+                        </a:ext>
+                      </a:extLst>
+                    </p:cNvPr>
+                    <p:cNvSpPr/>
+                    <p:nvPr/>
+                  </p:nvSpPr>
+                  <p:spPr>
+                    <a:xfrm>
+                      <a:off x="4518660" y="9220200"/>
+                      <a:ext cx="1196340" cy="449580"/>
+                    </a:xfrm>
+                    <a:prstGeom prst="rect">
+                      <a:avLst/>
+                    </a:prstGeom>
+                    <a:noFill/>
+                  </p:spPr>
+                  <p:style>
+                    <a:lnRef idx="2">
+                      <a:schemeClr val="accent1">
+                        <a:shade val="15000"/>
+                      </a:schemeClr>
+                    </a:lnRef>
+                    <a:fillRef idx="1">
+                      <a:schemeClr val="accent1"/>
+                    </a:fillRef>
+                    <a:effectRef idx="0">
+                      <a:schemeClr val="accent1"/>
+                    </a:effectRef>
+                    <a:fontRef idx="minor">
+                      <a:schemeClr val="lt1"/>
+                    </a:fontRef>
+                  </p:style>
+                  <p:txBody>
+                    <a:bodyPr rtlCol="0" anchor="ctr"/>
+                    <a:lstStyle/>
+                    <a:p>
+                      <a:pPr algn="ctr"/>
+                      <a:endParaRPr lang="en-CA"/>
+                    </a:p>
+                  </p:txBody>
+                </p:sp>
+              </p:grpSp>
+              <p:sp>
+                <p:nvSpPr>
+                  <p:cNvPr id="25" name="TextBox 24">
+                    <a:extLst>
+                      <a:ext uri="{FF2B5EF4-FFF2-40B4-BE49-F238E27FC236}">
+                        <a16:creationId xmlns:a16="http://schemas.microsoft.com/office/drawing/2014/main" id="{9F305CFF-3180-C894-6716-7A82A693B96D}"/>
+                      </a:ext>
+                    </a:extLst>
+                  </p:cNvPr>
+                  <p:cNvSpPr txBox="1"/>
+                  <p:nvPr/>
+                </p:nvSpPr>
+                <p:spPr>
+                  <a:xfrm>
+                    <a:off x="4956175" y="9242425"/>
+                    <a:ext cx="301686" cy="369332"/>
+                  </a:xfrm>
+                  <a:prstGeom prst="rect">
+                    <a:avLst/>
+                  </a:prstGeom>
+                  <a:noFill/>
+                </p:spPr>
+                <p:txBody>
+                  <a:bodyPr wrap="none" rtlCol="0">
+                    <a:spAutoFit/>
+                  </a:bodyPr>
+                  <a:lstStyle/>
+                  <a:p>
+                    <a:r>
+                      <a:rPr lang="en-US" dirty="0"/>
+                      <a:t>0</a:t>
+                    </a:r>
+                    <a:endParaRPr lang="en-CA" dirty="0"/>
+                  </a:p>
+                </p:txBody>
+              </p:sp>
+            </p:grpSp>
+          </p:grpSp>
+        </p:grpSp>
+      </p:grpSp>
+      <p:cxnSp>
+        <p:nvCxnSpPr>
+          <p:cNvPr id="39" name="Straight Arrow Connector 38">
+            <a:extLst>
+              <a:ext uri="{FF2B5EF4-FFF2-40B4-BE49-F238E27FC236}">
+                <a16:creationId xmlns:a16="http://schemas.microsoft.com/office/drawing/2014/main" id="{9E7FFB91-A705-DF33-76F1-54E439E3D907}"/>
+              </a:ext>
+            </a:extLst>
+          </p:cNvPr>
+          <p:cNvCxnSpPr>
+            <a:cxnSpLocks/>
+            <a:stCxn id="77" idx="2"/>
+            <a:endCxn id="14" idx="0"/>
+          </p:cNvCxnSpPr>
+          <p:nvPr/>
+        </p:nvCxnSpPr>
+        <p:spPr>
+          <a:xfrm>
+            <a:off x="4768488" y="7027273"/>
+            <a:ext cx="27032" cy="1138827"/>
+          </a:xfrm>
+          <a:prstGeom prst="straightConnector1">
+            <a:avLst/>
+          </a:prstGeom>
+          <a:ln w="25400">
+            <a:solidFill>
+              <a:schemeClr val="tx1"/>
+            </a:solidFill>
+            <a:tailEnd type="triangle"/>
+          </a:ln>
+        </p:spPr>
+        <p:style>
+          <a:lnRef idx="1">
+            <a:schemeClr val="accent1"/>
+          </a:lnRef>
+          <a:fillRef idx="0">
+            <a:schemeClr val="accent1"/>
+          </a:fillRef>
+          <a:effectRef idx="0">
+            <a:schemeClr val="accent1"/>
+          </a:effectRef>
+          <a:fontRef idx="minor">
+            <a:schemeClr val="tx1"/>
+          </a:fontRef>
+        </p:style>
+      </p:cxnSp>
+    </p:spTree>
+    <p:extLst>
+      <p:ext uri="{BB962C8B-B14F-4D97-AF65-F5344CB8AC3E}">
+        <p14:creationId xmlns:p14="http://schemas.microsoft.com/office/powerpoint/2010/main" val="1067201933"/>
+      </p:ext>
+    </p:extLst>
+  </p:cSld>
+  <p:clrMapOvr>
+    <a:masterClrMapping/>
+  </p:clrMapOvr>
+</p:sld>
+</file>
+
 <file path=ppt/theme/theme1.xml><?xml version="1.0" encoding="utf-8"?>
 <a:theme xmlns:a="http://schemas.openxmlformats.org/drawingml/2006/main" name="Office Theme">
   <a:themeElements>

--- a/labs/labs/lab3/documents/drawing.pptx
+++ b/labs/labs/lab3/documents/drawing.pptx
@@ -258,7 +258,7 @@
           <a:p>
             <a:fld id="{132D6BD4-870A-4FF1-8611-FF08CC753B3A}" type="datetimeFigureOut">
               <a:rPr lang="en-CA" smtClean="0"/>
-              <a:t>2023-10-07</a:t>
+              <a:t>2023-10-11</a:t>
             </a:fld>
             <a:endParaRPr lang="en-CA"/>
           </a:p>
@@ -428,7 +428,7 @@
           <a:p>
             <a:fld id="{132D6BD4-870A-4FF1-8611-FF08CC753B3A}" type="datetimeFigureOut">
               <a:rPr lang="en-CA" smtClean="0"/>
-              <a:t>2023-10-07</a:t>
+              <a:t>2023-10-11</a:t>
             </a:fld>
             <a:endParaRPr lang="en-CA"/>
           </a:p>
@@ -608,7 +608,7 @@
           <a:p>
             <a:fld id="{132D6BD4-870A-4FF1-8611-FF08CC753B3A}" type="datetimeFigureOut">
               <a:rPr lang="en-CA" smtClean="0"/>
-              <a:t>2023-10-07</a:t>
+              <a:t>2023-10-11</a:t>
             </a:fld>
             <a:endParaRPr lang="en-CA"/>
           </a:p>
@@ -778,7 +778,7 @@
           <a:p>
             <a:fld id="{132D6BD4-870A-4FF1-8611-FF08CC753B3A}" type="datetimeFigureOut">
               <a:rPr lang="en-CA" smtClean="0"/>
-              <a:t>2023-10-07</a:t>
+              <a:t>2023-10-11</a:t>
             </a:fld>
             <a:endParaRPr lang="en-CA"/>
           </a:p>
@@ -1022,7 +1022,7 @@
           <a:p>
             <a:fld id="{132D6BD4-870A-4FF1-8611-FF08CC753B3A}" type="datetimeFigureOut">
               <a:rPr lang="en-CA" smtClean="0"/>
-              <a:t>2023-10-07</a:t>
+              <a:t>2023-10-11</a:t>
             </a:fld>
             <a:endParaRPr lang="en-CA"/>
           </a:p>
@@ -1254,7 +1254,7 @@
           <a:p>
             <a:fld id="{132D6BD4-870A-4FF1-8611-FF08CC753B3A}" type="datetimeFigureOut">
               <a:rPr lang="en-CA" smtClean="0"/>
-              <a:t>2023-10-07</a:t>
+              <a:t>2023-10-11</a:t>
             </a:fld>
             <a:endParaRPr lang="en-CA"/>
           </a:p>
@@ -1621,7 +1621,7 @@
           <a:p>
             <a:fld id="{132D6BD4-870A-4FF1-8611-FF08CC753B3A}" type="datetimeFigureOut">
               <a:rPr lang="en-CA" smtClean="0"/>
-              <a:t>2023-10-07</a:t>
+              <a:t>2023-10-11</a:t>
             </a:fld>
             <a:endParaRPr lang="en-CA"/>
           </a:p>
@@ -1739,7 +1739,7 @@
           <a:p>
             <a:fld id="{132D6BD4-870A-4FF1-8611-FF08CC753B3A}" type="datetimeFigureOut">
               <a:rPr lang="en-CA" smtClean="0"/>
-              <a:t>2023-10-07</a:t>
+              <a:t>2023-10-11</a:t>
             </a:fld>
             <a:endParaRPr lang="en-CA"/>
           </a:p>
@@ -1834,7 +1834,7 @@
           <a:p>
             <a:fld id="{132D6BD4-870A-4FF1-8611-FF08CC753B3A}" type="datetimeFigureOut">
               <a:rPr lang="en-CA" smtClean="0"/>
-              <a:t>2023-10-07</a:t>
+              <a:t>2023-10-11</a:t>
             </a:fld>
             <a:endParaRPr lang="en-CA"/>
           </a:p>
@@ -2111,7 +2111,7 @@
           <a:p>
             <a:fld id="{132D6BD4-870A-4FF1-8611-FF08CC753B3A}" type="datetimeFigureOut">
               <a:rPr lang="en-CA" smtClean="0"/>
-              <a:t>2023-10-07</a:t>
+              <a:t>2023-10-11</a:t>
             </a:fld>
             <a:endParaRPr lang="en-CA"/>
           </a:p>
@@ -2368,7 +2368,7 @@
           <a:p>
             <a:fld id="{132D6BD4-870A-4FF1-8611-FF08CC753B3A}" type="datetimeFigureOut">
               <a:rPr lang="en-CA" smtClean="0"/>
-              <a:t>2023-10-07</a:t>
+              <a:t>2023-10-11</a:t>
             </a:fld>
             <a:endParaRPr lang="en-CA"/>
           </a:p>
@@ -2581,7 +2581,7 @@
           <a:p>
             <a:fld id="{132D6BD4-870A-4FF1-8611-FF08CC753B3A}" type="datetimeFigureOut">
               <a:rPr lang="en-CA" smtClean="0"/>
-              <a:t>2023-10-07</a:t>
+              <a:t>2023-10-11</a:t>
             </a:fld>
             <a:endParaRPr lang="en-CA"/>
           </a:p>
@@ -5466,8 +5466,8 @@
         </p:nvGrpSpPr>
         <p:grpSpPr>
           <a:xfrm>
-            <a:off x="2899410" y="10485262"/>
-            <a:ext cx="1376730" cy="525780"/>
+            <a:off x="2899410" y="10485261"/>
+            <a:ext cx="1745615" cy="452613"/>
             <a:chOff x="3497580" y="4312920"/>
             <a:chExt cx="1376730" cy="525780"/>
           </a:xfrm>

--- a/labs/labs/lab3/documents/drawing.pptx
+++ b/labs/labs/lab3/documents/drawing.pptx
@@ -258,7 +258,7 @@
           <a:p>
             <a:fld id="{132D6BD4-870A-4FF1-8611-FF08CC753B3A}" type="datetimeFigureOut">
               <a:rPr lang="en-CA" smtClean="0"/>
-              <a:t>2023-10-11</a:t>
+              <a:t>2023-10-12</a:t>
             </a:fld>
             <a:endParaRPr lang="en-CA"/>
           </a:p>
@@ -428,7 +428,7 @@
           <a:p>
             <a:fld id="{132D6BD4-870A-4FF1-8611-FF08CC753B3A}" type="datetimeFigureOut">
               <a:rPr lang="en-CA" smtClean="0"/>
-              <a:t>2023-10-11</a:t>
+              <a:t>2023-10-12</a:t>
             </a:fld>
             <a:endParaRPr lang="en-CA"/>
           </a:p>
@@ -608,7 +608,7 @@
           <a:p>
             <a:fld id="{132D6BD4-870A-4FF1-8611-FF08CC753B3A}" type="datetimeFigureOut">
               <a:rPr lang="en-CA" smtClean="0"/>
-              <a:t>2023-10-11</a:t>
+              <a:t>2023-10-12</a:t>
             </a:fld>
             <a:endParaRPr lang="en-CA"/>
           </a:p>
@@ -778,7 +778,7 @@
           <a:p>
             <a:fld id="{132D6BD4-870A-4FF1-8611-FF08CC753B3A}" type="datetimeFigureOut">
               <a:rPr lang="en-CA" smtClean="0"/>
-              <a:t>2023-10-11</a:t>
+              <a:t>2023-10-12</a:t>
             </a:fld>
             <a:endParaRPr lang="en-CA"/>
           </a:p>
@@ -1022,7 +1022,7 @@
           <a:p>
             <a:fld id="{132D6BD4-870A-4FF1-8611-FF08CC753B3A}" type="datetimeFigureOut">
               <a:rPr lang="en-CA" smtClean="0"/>
-              <a:t>2023-10-11</a:t>
+              <a:t>2023-10-12</a:t>
             </a:fld>
             <a:endParaRPr lang="en-CA"/>
           </a:p>
@@ -1254,7 +1254,7 @@
           <a:p>
             <a:fld id="{132D6BD4-870A-4FF1-8611-FF08CC753B3A}" type="datetimeFigureOut">
               <a:rPr lang="en-CA" smtClean="0"/>
-              <a:t>2023-10-11</a:t>
+              <a:t>2023-10-12</a:t>
             </a:fld>
             <a:endParaRPr lang="en-CA"/>
           </a:p>
@@ -1621,7 +1621,7 @@
           <a:p>
             <a:fld id="{132D6BD4-870A-4FF1-8611-FF08CC753B3A}" type="datetimeFigureOut">
               <a:rPr lang="en-CA" smtClean="0"/>
-              <a:t>2023-10-11</a:t>
+              <a:t>2023-10-12</a:t>
             </a:fld>
             <a:endParaRPr lang="en-CA"/>
           </a:p>
@@ -1739,7 +1739,7 @@
           <a:p>
             <a:fld id="{132D6BD4-870A-4FF1-8611-FF08CC753B3A}" type="datetimeFigureOut">
               <a:rPr lang="en-CA" smtClean="0"/>
-              <a:t>2023-10-11</a:t>
+              <a:t>2023-10-12</a:t>
             </a:fld>
             <a:endParaRPr lang="en-CA"/>
           </a:p>
@@ -1834,7 +1834,7 @@
           <a:p>
             <a:fld id="{132D6BD4-870A-4FF1-8611-FF08CC753B3A}" type="datetimeFigureOut">
               <a:rPr lang="en-CA" smtClean="0"/>
-              <a:t>2023-10-11</a:t>
+              <a:t>2023-10-12</a:t>
             </a:fld>
             <a:endParaRPr lang="en-CA"/>
           </a:p>
@@ -2111,7 +2111,7 @@
           <a:p>
             <a:fld id="{132D6BD4-870A-4FF1-8611-FF08CC753B3A}" type="datetimeFigureOut">
               <a:rPr lang="en-CA" smtClean="0"/>
-              <a:t>2023-10-11</a:t>
+              <a:t>2023-10-12</a:t>
             </a:fld>
             <a:endParaRPr lang="en-CA"/>
           </a:p>
@@ -2368,7 +2368,7 @@
           <a:p>
             <a:fld id="{132D6BD4-870A-4FF1-8611-FF08CC753B3A}" type="datetimeFigureOut">
               <a:rPr lang="en-CA" smtClean="0"/>
-              <a:t>2023-10-11</a:t>
+              <a:t>2023-10-12</a:t>
             </a:fld>
             <a:endParaRPr lang="en-CA"/>
           </a:p>
@@ -2581,7 +2581,7 @@
           <a:p>
             <a:fld id="{132D6BD4-870A-4FF1-8611-FF08CC753B3A}" type="datetimeFigureOut">
               <a:rPr lang="en-CA" smtClean="0"/>
-              <a:t>2023-10-11</a:t>
+              <a:t>2023-10-12</a:t>
             </a:fld>
             <a:endParaRPr lang="en-CA"/>
           </a:p>
@@ -3948,10 +3948,10 @@
         </p:nvGrpSpPr>
         <p:grpSpPr>
           <a:xfrm>
-            <a:off x="2933700" y="6137116"/>
-            <a:ext cx="2174340" cy="2637840"/>
-            <a:chOff x="3497580" y="4312920"/>
-            <a:chExt cx="2174340" cy="2637840"/>
+            <a:off x="2933700" y="6122879"/>
+            <a:ext cx="2364405" cy="2652077"/>
+            <a:chOff x="3497580" y="4298683"/>
+            <a:chExt cx="2364405" cy="2652077"/>
           </a:xfrm>
         </p:grpSpPr>
         <p:sp>
@@ -4004,7 +4004,7 @@
             <a:lstStyle/>
             <a:p>
               <a:pPr algn="ctr"/>
-              <a:endParaRPr lang="en-CA"/>
+              <a:endParaRPr lang="en-CA" dirty="0"/>
             </a:p>
           </p:txBody>
         </p:sp>
@@ -4055,6 +4055,60 @@
             </a:fontRef>
           </p:style>
         </p:cxnSp>
+        <p:sp>
+          <p:nvSpPr>
+            <p:cNvPr id="4" name="Oval 3">
+              <a:extLst>
+                <a:ext uri="{FF2B5EF4-FFF2-40B4-BE49-F238E27FC236}">
+                  <a16:creationId xmlns:a16="http://schemas.microsoft.com/office/drawing/2014/main" id="{3138A75A-4670-4890-94CE-8A02A4574154}"/>
+                </a:ext>
+              </a:extLst>
+            </p:cNvPr>
+            <p:cNvSpPr/>
+            <p:nvPr/>
+          </p:nvSpPr>
+          <p:spPr>
+            <a:xfrm>
+              <a:off x="5645985" y="4298683"/>
+              <a:ext cx="216000" cy="216000"/>
+            </a:xfrm>
+            <a:prstGeom prst="ellipse">
+              <a:avLst/>
+            </a:prstGeom>
+            <a:solidFill>
+              <a:schemeClr val="tx1"/>
+            </a:solidFill>
+            <a:ln>
+              <a:solidFill>
+                <a:schemeClr val="tx1"/>
+              </a:solidFill>
+            </a:ln>
+          </p:spPr>
+          <p:style>
+            <a:lnRef idx="2">
+              <a:schemeClr val="accent1">
+                <a:shade val="15000"/>
+              </a:schemeClr>
+            </a:lnRef>
+            <a:fillRef idx="1">
+              <a:schemeClr val="accent1"/>
+            </a:fillRef>
+            <a:effectRef idx="0">
+              <a:schemeClr val="accent1"/>
+            </a:effectRef>
+            <a:fontRef idx="minor">
+              <a:schemeClr val="lt1"/>
+            </a:fontRef>
+          </p:style>
+          <p:txBody>
+            <a:bodyPr rtlCol="0" anchor="ctr"/>
+            <a:lstStyle/>
+            <a:p>
+              <a:pPr algn="ctr"/>
+              <a:endParaRPr lang="en-CA" dirty="0"/>
+            </a:p>
+          </p:txBody>
+        </p:sp>
       </p:grpSp>
       <p:sp>
         <p:nvSpPr>
@@ -4290,15 +4344,15 @@
             </a:extLst>
           </p:cNvPr>
           <p:cNvCxnSpPr>
-            <a:stCxn id="81" idx="2"/>
+            <a:cxnSpLocks/>
             <a:endCxn id="96" idx="0"/>
           </p:cNvCxnSpPr>
           <p:nvPr/>
         </p:nvCxnSpPr>
         <p:spPr>
           <a:xfrm flipH="1">
-            <a:off x="3318411" y="6405240"/>
-            <a:ext cx="1915363" cy="2204829"/>
+            <a:off x="3318410" y="6245116"/>
+            <a:ext cx="1891765" cy="2364952"/>
           </a:xfrm>
           <a:prstGeom prst="straightConnector1">
             <a:avLst/>
@@ -5698,15 +5752,16 @@
             </a:extLst>
           </p:cNvPr>
           <p:cNvCxnSpPr>
-            <a:stCxn id="4" idx="2"/>
+            <a:cxnSpLocks/>
+            <a:stCxn id="7" idx="4"/>
             <a:endCxn id="102" idx="0"/>
           </p:cNvCxnSpPr>
           <p:nvPr/>
         </p:nvCxnSpPr>
         <p:spPr>
           <a:xfrm flipH="1">
-            <a:off x="3292326" y="10258085"/>
-            <a:ext cx="293623" cy="783472"/>
+            <a:off x="3292326" y="10182290"/>
+            <a:ext cx="282749" cy="859267"/>
           </a:xfrm>
           <a:prstGeom prst="straightConnector1">
             <a:avLst/>
@@ -5801,10 +5856,10 @@
         </p:nvGrpSpPr>
         <p:grpSpPr>
           <a:xfrm>
-            <a:off x="3594100" y="8592962"/>
-            <a:ext cx="1270100" cy="1215390"/>
-            <a:chOff x="2443480" y="4312920"/>
-            <a:chExt cx="1270100" cy="1215390"/>
+            <a:off x="3783279" y="8592962"/>
+            <a:ext cx="1080921" cy="1160844"/>
+            <a:chOff x="2632659" y="4312920"/>
+            <a:chExt cx="1080921" cy="1160844"/>
           </a:xfrm>
         </p:grpSpPr>
         <p:sp>
@@ -5879,13 +5934,13 @@
           </p:nvCxnSpPr>
           <p:spPr>
             <a:xfrm flipH="1">
-              <a:off x="2443480" y="4420920"/>
-              <a:ext cx="1270100" cy="1107390"/>
+              <a:off x="2632659" y="4420920"/>
+              <a:ext cx="1080921" cy="1052844"/>
             </a:xfrm>
             <a:prstGeom prst="curvedConnector4">
               <a:avLst>
-                <a:gd name="adj1" fmla="val -17999"/>
-                <a:gd name="adj2" fmla="val 54876"/>
+                <a:gd name="adj1" fmla="val -21149"/>
+                <a:gd name="adj2" fmla="val 55129"/>
               </a:avLst>
             </a:prstGeom>
             <a:ln w="25400">
@@ -5924,7 +5979,7 @@
         </p:nvSpPr>
         <p:spPr>
           <a:xfrm>
-            <a:off x="3486100" y="9808352"/>
+            <a:off x="3675279" y="9753806"/>
             <a:ext cx="216000" cy="216000"/>
           </a:xfrm>
           <a:prstGeom prst="ellipse">
@@ -6383,6 +6438,60 @@
               <a:rPr lang="en-US" dirty="0" err="1"/>
               <a:t>arr</a:t>
             </a:r>
+            <a:endParaRPr lang="en-CA" dirty="0"/>
+          </a:p>
+        </p:txBody>
+      </p:sp>
+      <p:sp>
+        <p:nvSpPr>
+          <p:cNvPr id="7" name="Oval 6">
+            <a:extLst>
+              <a:ext uri="{FF2B5EF4-FFF2-40B4-BE49-F238E27FC236}">
+                <a16:creationId xmlns:a16="http://schemas.microsoft.com/office/drawing/2014/main" id="{876E6E03-1943-07E4-2B5E-ADA1DEDAFE15}"/>
+              </a:ext>
+            </a:extLst>
+          </p:cNvPr>
+          <p:cNvSpPr/>
+          <p:nvPr/>
+        </p:nvSpPr>
+        <p:spPr>
+          <a:xfrm>
+            <a:off x="3467075" y="9966290"/>
+            <a:ext cx="216000" cy="216000"/>
+          </a:xfrm>
+          <a:prstGeom prst="ellipse">
+            <a:avLst/>
+          </a:prstGeom>
+          <a:solidFill>
+            <a:schemeClr val="tx1"/>
+          </a:solidFill>
+          <a:ln>
+            <a:solidFill>
+              <a:schemeClr val="tx1"/>
+            </a:solidFill>
+          </a:ln>
+        </p:spPr>
+        <p:style>
+          <a:lnRef idx="2">
+            <a:schemeClr val="accent1">
+              <a:shade val="15000"/>
+            </a:schemeClr>
+          </a:lnRef>
+          <a:fillRef idx="1">
+            <a:schemeClr val="accent1"/>
+          </a:fillRef>
+          <a:effectRef idx="0">
+            <a:schemeClr val="accent1"/>
+          </a:effectRef>
+          <a:fontRef idx="minor">
+            <a:schemeClr val="lt1"/>
+          </a:fontRef>
+        </p:style>
+        <p:txBody>
+          <a:bodyPr rtlCol="0" anchor="ctr"/>
+          <a:lstStyle/>
+          <a:p>
+            <a:pPr algn="ctr"/>
             <a:endParaRPr lang="en-CA" dirty="0"/>
           </a:p>
         </p:txBody>

--- a/labs/labs/lab3/documents/drawing.pptx
+++ b/labs/labs/lab3/documents/drawing.pptx
@@ -4813,10 +4813,10 @@
         </p:nvGrpSpPr>
         <p:grpSpPr>
           <a:xfrm>
-            <a:off x="2960270" y="10198504"/>
-            <a:ext cx="2545180" cy="1237276"/>
-            <a:chOff x="3352800" y="1012190"/>
-            <a:chExt cx="2545180" cy="1237276"/>
+            <a:off x="2960270" y="10088663"/>
+            <a:ext cx="2544011" cy="1347117"/>
+            <a:chOff x="3352800" y="902349"/>
+            <a:chExt cx="2544011" cy="1347117"/>
           </a:xfrm>
         </p:grpSpPr>
         <p:grpSp>
@@ -4975,7 +4975,7 @@
           </p:nvSpPr>
           <p:spPr>
             <a:xfrm>
-              <a:off x="5219800" y="1012190"/>
+              <a:off x="5218631" y="902349"/>
               <a:ext cx="678180" cy="367326"/>
             </a:xfrm>
             <a:prstGeom prst="rect">
@@ -5295,9 +5295,9 @@
         <p:grpSpPr>
           <a:xfrm>
             <a:off x="2914650" y="8580262"/>
-            <a:ext cx="2152600" cy="1596440"/>
+            <a:ext cx="1776931" cy="1691674"/>
             <a:chOff x="3497580" y="4312920"/>
-            <a:chExt cx="2152600" cy="1596440"/>
+            <a:chExt cx="1776931" cy="1691674"/>
           </a:xfrm>
         </p:grpSpPr>
         <p:sp>
@@ -5373,7 +5373,7 @@
           <p:spPr>
             <a:xfrm>
               <a:off x="3713580" y="4420920"/>
-              <a:ext cx="1936600" cy="1488440"/>
+              <a:ext cx="1560931" cy="1583674"/>
             </a:xfrm>
             <a:prstGeom prst="curvedConnector3">
               <a:avLst>
@@ -5468,7 +5468,7 @@
         </p:nvSpPr>
         <p:spPr>
           <a:xfrm>
-            <a:off x="5067250" y="10068702"/>
+            <a:off x="4691581" y="10163936"/>
             <a:ext cx="216000" cy="216000"/>
           </a:xfrm>
           <a:prstGeom prst="ellipse">
@@ -5804,7 +5804,7 @@
         </p:nvSpPr>
         <p:spPr>
           <a:xfrm>
-            <a:off x="4828440" y="10197007"/>
+            <a:off x="4827270" y="10072038"/>
             <a:ext cx="677011" cy="399796"/>
           </a:xfrm>
           <a:prstGeom prst="rect">
@@ -6493,6 +6493,48 @@
           <a:p>
             <a:pPr algn="ctr"/>
             <a:endParaRPr lang="en-CA" dirty="0"/>
+          </a:p>
+        </p:txBody>
+      </p:sp>
+      <p:sp>
+        <p:nvSpPr>
+          <p:cNvPr id="9" name="TextBox 8">
+            <a:extLst>
+              <a:ext uri="{FF2B5EF4-FFF2-40B4-BE49-F238E27FC236}">
+                <a16:creationId xmlns:a16="http://schemas.microsoft.com/office/drawing/2014/main" id="{3B51D56D-ED65-81D3-3FB4-5B21E1844E10}"/>
+              </a:ext>
+            </a:extLst>
+          </p:cNvPr>
+          <p:cNvSpPr txBox="1"/>
+          <p:nvPr/>
+        </p:nvSpPr>
+        <p:spPr>
+          <a:xfrm>
+            <a:off x="4764065" y="10471068"/>
+            <a:ext cx="805029" cy="400110"/>
+          </a:xfrm>
+          <a:prstGeom prst="rect">
+            <a:avLst/>
+          </a:prstGeom>
+          <a:noFill/>
+        </p:spPr>
+        <p:txBody>
+          <a:bodyPr wrap="none" rtlCol="0">
+            <a:spAutoFit/>
+          </a:bodyPr>
+          <a:lstStyle/>
+          <a:p>
+            <a:r>
+              <a:rPr lang="en-CA" sz="1000" dirty="0"/>
+              <a:t>Temporary</a:t>
+            </a:r>
+            <a:br>
+              <a:rPr lang="en-CA" sz="1000" dirty="0"/>
+            </a:br>
+            <a:r>
+              <a:rPr lang="en-CA" sz="1000" dirty="0"/>
+              <a:t>Anonymous</a:t>
+            </a:r>
           </a:p>
         </p:txBody>
       </p:sp>
